--- a/Document/4_수정중/Software Requirements Specification 1.0 (혁주 - 알림 usecase).pptx
+++ b/Document/4_수정중/Software Requirements Specification 1.0 (혁주 - 알림 usecase).pptx
@@ -109,6 +109,11 @@
       </a:defRPr>
     </a:lvl9pPr>
   </p:defaultTextStyle>
+  <p:extLst>
+    <p:ext uri="{EFAFB233-063F-42B5-8137-9DF3F51BA10A}">
+      <p15:sldGuideLst xmlns:p15="http://schemas.microsoft.com/office/powerpoint/2012/main"/>
+    </p:ext>
+  </p:extLst>
 </p:presentation>
 </file>
 
@@ -194,7 +199,7 @@
           <a:p>
             <a:fld id="{66DA4EFD-E73F-4996-88F5-A5BE887E6726}" type="datetimeFigureOut">
               <a:rPr lang="en-US" smtClean="0"/>
-              <a:t>11/28/2019</a:t>
+              <a:t>11/30/2019</a:t>
             </a:fld>
             <a:endParaRPr lang="en-US"/>
           </a:p>
@@ -987,7 +992,7 @@
           <a:p>
             <a:fld id="{FAB44860-3823-42B7-B12E-C4FD073FEE26}" type="datetimeFigureOut">
               <a:rPr lang="en-US" smtClean="0"/>
-              <a:t>11/28/2019</a:t>
+              <a:t>11/30/2019</a:t>
             </a:fld>
             <a:endParaRPr lang="en-US"/>
           </a:p>
@@ -1187,7 +1192,7 @@
           <a:p>
             <a:fld id="{FAB44860-3823-42B7-B12E-C4FD073FEE26}" type="datetimeFigureOut">
               <a:rPr lang="en-US" smtClean="0"/>
-              <a:t>11/28/2019</a:t>
+              <a:t>11/30/2019</a:t>
             </a:fld>
             <a:endParaRPr lang="en-US"/>
           </a:p>
@@ -1397,7 +1402,7 @@
           <a:p>
             <a:fld id="{FAB44860-3823-42B7-B12E-C4FD073FEE26}" type="datetimeFigureOut">
               <a:rPr lang="en-US" smtClean="0"/>
-              <a:t>11/28/2019</a:t>
+              <a:t>11/30/2019</a:t>
             </a:fld>
             <a:endParaRPr lang="en-US"/>
           </a:p>
@@ -1597,7 +1602,7 @@
           <a:p>
             <a:fld id="{FAB44860-3823-42B7-B12E-C4FD073FEE26}" type="datetimeFigureOut">
               <a:rPr lang="en-US" smtClean="0"/>
-              <a:t>11/28/2019</a:t>
+              <a:t>11/30/2019</a:t>
             </a:fld>
             <a:endParaRPr lang="en-US"/>
           </a:p>
@@ -1873,7 +1878,7 @@
           <a:p>
             <a:fld id="{FAB44860-3823-42B7-B12E-C4FD073FEE26}" type="datetimeFigureOut">
               <a:rPr lang="en-US" smtClean="0"/>
-              <a:t>11/28/2019</a:t>
+              <a:t>11/30/2019</a:t>
             </a:fld>
             <a:endParaRPr lang="en-US"/>
           </a:p>
@@ -2141,7 +2146,7 @@
           <a:p>
             <a:fld id="{FAB44860-3823-42B7-B12E-C4FD073FEE26}" type="datetimeFigureOut">
               <a:rPr lang="en-US" smtClean="0"/>
-              <a:t>11/28/2019</a:t>
+              <a:t>11/30/2019</a:t>
             </a:fld>
             <a:endParaRPr lang="en-US"/>
           </a:p>
@@ -2556,7 +2561,7 @@
           <a:p>
             <a:fld id="{FAB44860-3823-42B7-B12E-C4FD073FEE26}" type="datetimeFigureOut">
               <a:rPr lang="en-US" smtClean="0"/>
-              <a:t>11/28/2019</a:t>
+              <a:t>11/30/2019</a:t>
             </a:fld>
             <a:endParaRPr lang="en-US"/>
           </a:p>
@@ -2698,7 +2703,7 @@
           <a:p>
             <a:fld id="{FAB44860-3823-42B7-B12E-C4FD073FEE26}" type="datetimeFigureOut">
               <a:rPr lang="en-US" smtClean="0"/>
-              <a:t>11/28/2019</a:t>
+              <a:t>11/30/2019</a:t>
             </a:fld>
             <a:endParaRPr lang="en-US"/>
           </a:p>
@@ -2811,7 +2816,7 @@
           <a:p>
             <a:fld id="{FAB44860-3823-42B7-B12E-C4FD073FEE26}" type="datetimeFigureOut">
               <a:rPr lang="en-US" smtClean="0"/>
-              <a:t>11/28/2019</a:t>
+              <a:t>11/30/2019</a:t>
             </a:fld>
             <a:endParaRPr lang="en-US"/>
           </a:p>
@@ -3124,7 +3129,7 @@
           <a:p>
             <a:fld id="{FAB44860-3823-42B7-B12E-C4FD073FEE26}" type="datetimeFigureOut">
               <a:rPr lang="en-US" smtClean="0"/>
-              <a:t>11/28/2019</a:t>
+              <a:t>11/30/2019</a:t>
             </a:fld>
             <a:endParaRPr lang="en-US"/>
           </a:p>
@@ -3413,7 +3418,7 @@
           <a:p>
             <a:fld id="{FAB44860-3823-42B7-B12E-C4FD073FEE26}" type="datetimeFigureOut">
               <a:rPr lang="en-US" smtClean="0"/>
-              <a:t>11/28/2019</a:t>
+              <a:t>11/30/2019</a:t>
             </a:fld>
             <a:endParaRPr lang="en-US"/>
           </a:p>
@@ -3656,7 +3661,7 @@
           <a:p>
             <a:fld id="{FAB44860-3823-42B7-B12E-C4FD073FEE26}" type="datetimeFigureOut">
               <a:rPr lang="en-US" smtClean="0"/>
-              <a:t>11/28/2019</a:t>
+              <a:t>11/30/2019</a:t>
             </a:fld>
             <a:endParaRPr lang="en-US"/>
           </a:p>
@@ -4236,7 +4241,13 @@
         <p:nvGraphicFramePr>
           <p:cNvPr id="244" name="Google Shape;244;p34"/>
           <p:cNvGraphicFramePr/>
-          <p:nvPr/>
+          <p:nvPr>
+            <p:extLst>
+              <p:ext uri="{D42A27DB-BD31-4B8C-83A1-F6EECF244321}">
+                <p14:modId xmlns:p14="http://schemas.microsoft.com/office/powerpoint/2010/main" val="3288187051"/>
+              </p:ext>
+            </p:extLst>
+          </p:nvPr>
         </p:nvGraphicFramePr>
         <p:xfrm>
           <a:off x="2135187" y="1268414"/>
@@ -5838,7 +5849,7 @@
                         <a:t>유효기간</a:t>
                       </a:r>
                       <a:r>
-                        <a:rPr lang="en-US" sz="1100" u="none" strike="noStrike" cap="none">
+                        <a:rPr lang="en-US" sz="1100" u="none" strike="noStrike" cap="none" dirty="0">
                           <a:solidFill>
                             <a:schemeClr val="dk1"/>
                           </a:solidFill>
@@ -5848,7 +5859,7 @@
                         <a:t>, </a:t>
                       </a:r>
                       <a:r>
-                        <a:rPr lang="ko-KR" altLang="en-US" sz="1100" u="none" strike="noStrike" cap="none">
+                        <a:rPr lang="ko-KR" altLang="en-US" sz="1100" u="none" strike="noStrike" cap="none" dirty="0">
                           <a:solidFill>
                             <a:schemeClr val="dk1"/>
                           </a:solidFill>
@@ -5858,7 +5869,7 @@
                         <a:t>재고소진</a:t>
                       </a:r>
                       <a:r>
-                        <a:rPr lang="en-US" altLang="ko-KR" sz="1100" u="none" strike="noStrike" cap="none">
+                        <a:rPr lang="en-US" altLang="ko-KR" sz="1100" u="none" strike="noStrike" cap="none" dirty="0">
                           <a:solidFill>
                             <a:schemeClr val="dk1"/>
                           </a:solidFill>
@@ -5868,14 +5879,24 @@
                         <a:t>, </a:t>
                       </a:r>
                       <a:r>
-                        <a:rPr lang="en-US" sz="1100" u="none" strike="noStrike" cap="none">
-                          <a:solidFill>
-                            <a:schemeClr val="dk1"/>
-                          </a:solidFill>
-                          <a:latin typeface="맑은 고딕" panose="020B0503020000020004" pitchFamily="50" charset="-127"/>
-                          <a:ea typeface="맑은 고딕" panose="020B0503020000020004" pitchFamily="50" charset="-127"/>
-                        </a:rPr>
-                        <a:t>의심질병 </a:t>
+                        <a:rPr lang="en-US" sz="1100" u="none" strike="noStrike" cap="none" dirty="0" err="1">
+                          <a:solidFill>
+                            <a:schemeClr val="dk1"/>
+                          </a:solidFill>
+                          <a:latin typeface="맑은 고딕" panose="020B0503020000020004" pitchFamily="50" charset="-127"/>
+                          <a:ea typeface="맑은 고딕" panose="020B0503020000020004" pitchFamily="50" charset="-127"/>
+                        </a:rPr>
+                        <a:t>의심질병</a:t>
+                      </a:r>
+                      <a:r>
+                        <a:rPr lang="en-US" sz="1100" u="none" strike="noStrike" cap="none" dirty="0">
+                          <a:solidFill>
+                            <a:schemeClr val="dk1"/>
+                          </a:solidFill>
+                          <a:latin typeface="맑은 고딕" panose="020B0503020000020004" pitchFamily="50" charset="-127"/>
+                          <a:ea typeface="맑은 고딕" panose="020B0503020000020004" pitchFamily="50" charset="-127"/>
+                        </a:rPr>
+                        <a:t> </a:t>
                       </a:r>
                       <a:r>
                         <a:rPr lang="en-US" sz="1100" u="none" strike="noStrike" cap="none" dirty="0" err="1">
@@ -5976,7 +5997,7 @@
                         <a:t>(step 2) </a:t>
                       </a:r>
                       <a:r>
-                        <a:rPr lang="ko-KR" altLang="en-US" sz="1100" u="none" strike="noStrike" cap="none" err="1">
+                        <a:rPr lang="ko-KR" altLang="en-US" sz="1100" u="none" strike="noStrike" cap="none" dirty="0" err="1">
                           <a:solidFill>
                             <a:schemeClr val="dk1"/>
                           </a:solidFill>
@@ -5986,7 +6007,7 @@
                         <a:t>서브플로우</a:t>
                       </a:r>
                       <a:r>
-                        <a:rPr lang="ko-KR" altLang="en-US" sz="1100" u="none" strike="noStrike" cap="none">
+                        <a:rPr lang="ko-KR" altLang="en-US" sz="1100" u="none" strike="noStrike" cap="none" dirty="0">
                           <a:solidFill>
                             <a:schemeClr val="dk1"/>
                           </a:solidFill>
@@ -5995,7 +6016,7 @@
                         </a:rPr>
                         <a:t> 수행</a:t>
                       </a:r>
-                      <a:endParaRPr lang="en-US" altLang="ko-KR" sz="1100" u="none" strike="noStrike" cap="none">
+                      <a:endParaRPr lang="en-US" altLang="ko-KR" sz="1100" u="none" strike="noStrike" cap="none" dirty="0">
                         <a:solidFill>
                           <a:schemeClr val="dk1"/>
                         </a:solidFill>
@@ -6024,7 +6045,7 @@
                         <a:defRPr/>
                       </a:pPr>
                       <a:r>
-                        <a:rPr lang="en-US" altLang="ko-KR" sz="1100" u="none" strike="noStrike" cap="none">
+                        <a:rPr lang="en-US" altLang="ko-KR" sz="1100" u="none" strike="noStrike" cap="none" dirty="0">
                           <a:solidFill>
                             <a:schemeClr val="dk1"/>
                           </a:solidFill>
@@ -6034,7 +6055,7 @@
                         <a:t>     - </a:t>
                       </a:r>
                       <a:r>
-                        <a:rPr lang="ko-KR" altLang="en-US" sz="1100" u="none" strike="noStrike" cap="none">
+                        <a:rPr lang="ko-KR" altLang="en-US" sz="1100" u="none" strike="noStrike" cap="none" dirty="0">
                           <a:solidFill>
                             <a:schemeClr val="dk1"/>
                           </a:solidFill>
@@ -6044,7 +6065,7 @@
                         <a:t>약품의 사용량이 얼마 남지 않은 경우의 알림을 발생시키는 경우</a:t>
                       </a:r>
                       <a:r>
-                        <a:rPr lang="en-US" altLang="ko-KR" sz="1100" u="none" strike="noStrike" cap="none">
+                        <a:rPr lang="en-US" altLang="ko-KR" sz="1100" u="none" strike="noStrike" cap="none" dirty="0">
                           <a:solidFill>
                             <a:schemeClr val="dk1"/>
                           </a:solidFill>
@@ -6054,7 +6075,7 @@
                         <a:t>, </a:t>
                       </a:r>
                       <a:r>
-                        <a:rPr lang="ko-KR" altLang="en-US" sz="1100" u="none" strike="noStrike" cap="none">
+                        <a:rPr lang="ko-KR" altLang="en-US" sz="1100" u="none" strike="noStrike" cap="none" dirty="0">
                           <a:solidFill>
                             <a:schemeClr val="dk1"/>
                           </a:solidFill>
@@ -6064,7 +6085,7 @@
                         <a:t>약품 재고소진 알림 </a:t>
                       </a:r>
                       <a:r>
-                        <a:rPr lang="en-US" altLang="ko-KR" sz="1100" u="none" strike="noStrike" cap="none">
+                        <a:rPr lang="en-US" altLang="ko-KR" sz="1100" u="none" strike="noStrike" cap="none" dirty="0">
                           <a:solidFill>
                             <a:schemeClr val="dk1"/>
                           </a:solidFill>
@@ -6074,22 +6095,25 @@
                         <a:t>(step 3) </a:t>
                       </a:r>
                       <a:r>
-                        <a:rPr lang="ko-KR" altLang="en-US" sz="1100" u="none" strike="noStrike" cap="none">
-                          <a:solidFill>
-                            <a:schemeClr val="dk1"/>
-                          </a:solidFill>
-                          <a:latin typeface="맑은 고딕" panose="020B0503020000020004" pitchFamily="50" charset="-127"/>
-                          <a:ea typeface="맑은 고딕" panose="020B0503020000020004" pitchFamily="50" charset="-127"/>
-                        </a:rPr>
-                        <a:t>서브플로우 수행</a:t>
-                      </a:r>
-                      <a:endParaRPr lang="ko-KR" altLang="en-US" sz="1100" u="none" strike="noStrike" cap="none" dirty="0">
-                        <a:solidFill>
-                          <a:schemeClr val="dk1"/>
-                        </a:solidFill>
-                        <a:latin typeface="맑은 고딕" panose="020B0503020000020004" pitchFamily="50" charset="-127"/>
-                        <a:ea typeface="맑은 고딕" panose="020B0503020000020004" pitchFamily="50" charset="-127"/>
-                      </a:endParaRPr>
+                        <a:rPr lang="ko-KR" altLang="en-US" sz="1100" u="none" strike="noStrike" cap="none" dirty="0" err="1">
+                          <a:solidFill>
+                            <a:schemeClr val="dk1"/>
+                          </a:solidFill>
+                          <a:latin typeface="맑은 고딕" panose="020B0503020000020004" pitchFamily="50" charset="-127"/>
+                          <a:ea typeface="맑은 고딕" panose="020B0503020000020004" pitchFamily="50" charset="-127"/>
+                        </a:rPr>
+                        <a:t>서브플로우</a:t>
+                      </a:r>
+                      <a:r>
+                        <a:rPr lang="ko-KR" altLang="en-US" sz="1100" u="none" strike="noStrike" cap="none" dirty="0">
+                          <a:solidFill>
+                            <a:schemeClr val="dk1"/>
+                          </a:solidFill>
+                          <a:latin typeface="맑은 고딕" panose="020B0503020000020004" pitchFamily="50" charset="-127"/>
+                          <a:ea typeface="맑은 고딕" panose="020B0503020000020004" pitchFamily="50" charset="-127"/>
+                        </a:rPr>
+                        <a:t> 수행</a:t>
+                      </a:r>
                     </a:p>
                     <a:p>
                       <a:pPr marL="0" marR="0" lvl="0" indent="0" algn="just" rtl="0">
@@ -6486,17 +6510,7 @@
                           <a:latin typeface="맑은 고딕" panose="020B0503020000020004" pitchFamily="50" charset="-127"/>
                           <a:ea typeface="맑은 고딕" panose="020B0503020000020004" pitchFamily="50" charset="-127"/>
                         </a:rPr>
-                        <a:t>       (</a:t>
-                      </a:r>
-                      <a:r>
-                        <a:rPr lang="en-US" sz="1100" u="none" strike="noStrike" cap="none">
-                          <a:solidFill>
-                            <a:schemeClr val="dk1"/>
-                          </a:solidFill>
-                          <a:latin typeface="맑은 고딕" panose="020B0503020000020004" pitchFamily="50" charset="-127"/>
-                          <a:ea typeface="맑은 고딕" panose="020B0503020000020004" pitchFamily="50" charset="-127"/>
-                        </a:rPr>
-                        <a:t>step 4) </a:t>
+                        <a:t>       (step 4) </a:t>
                       </a:r>
                       <a:r>
                         <a:rPr lang="en-US" sz="1100" u="none" strike="noStrike" cap="none" dirty="0" err="1">
@@ -6750,7 +6764,27 @@
                           <a:latin typeface="맑은 고딕" panose="020B0503020000020004" pitchFamily="50" charset="-127"/>
                           <a:ea typeface="맑은 고딕" panose="020B0503020000020004" pitchFamily="50" charset="-127"/>
                         </a:rPr>
-                        <a:t>이 되면 시스템의 유효기간 검사 로직을 실행 시킨다</a:t>
+                        <a:t>이 되면</a:t>
+                      </a:r>
+                      <a:r>
+                        <a:rPr lang="ko-KR" altLang="en-US" sz="1100" u="none" strike="noStrike" cap="none" dirty="0">
+                          <a:solidFill>
+                            <a:srgbClr val="0432FF"/>
+                          </a:solidFill>
+                          <a:latin typeface="맑은 고딕" panose="020B0503020000020004" pitchFamily="50" charset="-127"/>
+                          <a:ea typeface="맑은 고딕" panose="020B0503020000020004" pitchFamily="50" charset="-127"/>
+                        </a:rPr>
+                        <a:t> </a:t>
+                      </a:r>
+                      <a:r>
+                        <a:rPr lang="ko-KR" altLang="en-US" sz="1100" u="none" strike="noStrike" cap="none" dirty="0">
+                          <a:solidFill>
+                            <a:schemeClr val="dk1"/>
+                          </a:solidFill>
+                          <a:latin typeface="맑은 고딕" panose="020B0503020000020004" pitchFamily="50" charset="-127"/>
+                          <a:ea typeface="맑은 고딕" panose="020B0503020000020004" pitchFamily="50" charset="-127"/>
+                        </a:rPr>
+                        <a:t>시스템에 존재하는 모든 약품을 대상으로 약품의 유효기간을 검사한다</a:t>
                       </a:r>
                       <a:r>
                         <a:rPr lang="en-US" altLang="ko-KR" sz="1100" u="none" strike="noStrike" cap="none" dirty="0">
@@ -6760,6 +6794,186 @@
                           <a:latin typeface="맑은 고딕" panose="020B0503020000020004" pitchFamily="50" charset="-127"/>
                           <a:ea typeface="맑은 고딕" panose="020B0503020000020004" pitchFamily="50" charset="-127"/>
                         </a:rPr>
+                        <a:t>.</a:t>
+                      </a:r>
+                      <a:r>
+                        <a:rPr lang="ko-KR" altLang="en-US" sz="1100" u="none" strike="noStrike" cap="none" dirty="0">
+                          <a:solidFill>
+                            <a:schemeClr val="dk1"/>
+                          </a:solidFill>
+                          <a:latin typeface="맑은 고딕" panose="020B0503020000020004" pitchFamily="50" charset="-127"/>
+                          <a:ea typeface="맑은 고딕" panose="020B0503020000020004" pitchFamily="50" charset="-127"/>
+                        </a:rPr>
+                        <a:t> </a:t>
+                      </a:r>
+                      <a:r>
+                        <a:rPr lang="ko-KR" altLang="en-US" sz="1100" u="none" strike="noStrike" cap="none" dirty="0">
+                          <a:solidFill>
+                            <a:srgbClr val="0432FF"/>
+                          </a:solidFill>
+                          <a:latin typeface="맑은 고딕" panose="020B0503020000020004" pitchFamily="50" charset="-127"/>
+                          <a:ea typeface="+mn-ea"/>
+                        </a:rPr>
+                        <a:t>시스템은</a:t>
+                      </a:r>
+                      <a:r>
+                        <a:rPr lang="ko-KR" altLang="en-US" sz="1100" u="none" strike="noStrike" cap="none" dirty="0">
+                          <a:solidFill>
+                            <a:schemeClr val="dk1"/>
+                          </a:solidFill>
+                          <a:latin typeface="맑은 고딕" panose="020B0503020000020004" pitchFamily="50" charset="-127"/>
+                          <a:ea typeface="+mn-ea"/>
+                        </a:rPr>
+                        <a:t> 유효기간의 </a:t>
+                      </a:r>
+                      <a:r>
+                        <a:rPr lang="en-US" altLang="ko-KR" sz="1100" u="none" strike="noStrike" cap="none" dirty="0">
+                          <a:solidFill>
+                            <a:schemeClr val="dk1"/>
+                          </a:solidFill>
+                          <a:latin typeface="맑은 고딕" panose="020B0503020000020004" pitchFamily="50" charset="-127"/>
+                          <a:ea typeface="맑은 고딕" panose="020B0503020000020004" pitchFamily="50" charset="-127"/>
+                        </a:rPr>
+                        <a:t>14</a:t>
+                      </a:r>
+                      <a:r>
+                        <a:rPr lang="ko-KR" altLang="en-US" sz="1100" u="none" strike="noStrike" cap="none" dirty="0">
+                          <a:solidFill>
+                            <a:schemeClr val="dk1"/>
+                          </a:solidFill>
+                          <a:latin typeface="맑은 고딕" panose="020B0503020000020004" pitchFamily="50" charset="-127"/>
+                          <a:ea typeface="맑은 고딕" panose="020B0503020000020004" pitchFamily="50" charset="-127"/>
+                        </a:rPr>
+                        <a:t>일 전부터 당일까지 해당 약품을 소유하고 있는 </a:t>
+                      </a:r>
+                      <a:r>
+                        <a:rPr lang="en-US" altLang="ko-KR" sz="1100" u="none" strike="noStrike" cap="none" dirty="0">
+                          <a:solidFill>
+                            <a:schemeClr val="dk1"/>
+                          </a:solidFill>
+                          <a:latin typeface="맑은 고딕" panose="020B0503020000020004" pitchFamily="50" charset="-127"/>
+                          <a:ea typeface="맑은 고딕" panose="020B0503020000020004" pitchFamily="50" charset="-127"/>
+                        </a:rPr>
+                        <a:t>my Lab</a:t>
+                      </a:r>
+                      <a:r>
+                        <a:rPr lang="ko-KR" altLang="en-US" sz="1100" u="none" strike="noStrike" cap="none" dirty="0">
+                          <a:solidFill>
+                            <a:schemeClr val="dk1"/>
+                          </a:solidFill>
+                          <a:latin typeface="맑은 고딕" panose="020B0503020000020004" pitchFamily="50" charset="-127"/>
+                          <a:ea typeface="맑은 고딕" panose="020B0503020000020004" pitchFamily="50" charset="-127"/>
+                        </a:rPr>
+                        <a:t>의 모든 멤버들에게  </a:t>
+                      </a:r>
+                      <a:r>
+                        <a:rPr lang="en-US" altLang="ko-KR" sz="1100" u="none" strike="noStrike" cap="none" dirty="0">
+                          <a:solidFill>
+                            <a:schemeClr val="dk1"/>
+                          </a:solidFill>
+                          <a:latin typeface="맑은 고딕" panose="020B0503020000020004" pitchFamily="50" charset="-127"/>
+                          <a:ea typeface="맑은 고딕" panose="020B0503020000020004" pitchFamily="50" charset="-127"/>
+                        </a:rPr>
+                        <a:t>“(</a:t>
+                      </a:r>
+                      <a:r>
+                        <a:rPr lang="ko-KR" altLang="en-US" sz="1100" u="none" strike="noStrike" cap="none" dirty="0">
+                          <a:solidFill>
+                            <a:schemeClr val="dk1"/>
+                          </a:solidFill>
+                          <a:latin typeface="맑은 고딕" panose="020B0503020000020004" pitchFamily="50" charset="-127"/>
+                          <a:ea typeface="맑은 고딕" panose="020B0503020000020004" pitchFamily="50" charset="-127"/>
+                        </a:rPr>
+                        <a:t>약품이름</a:t>
+                      </a:r>
+                      <a:r>
+                        <a:rPr lang="en-US" altLang="ko-KR" sz="1100" u="none" strike="noStrike" cap="none" dirty="0">
+                          <a:solidFill>
+                            <a:schemeClr val="dk1"/>
+                          </a:solidFill>
+                          <a:latin typeface="맑은 고딕" panose="020B0503020000020004" pitchFamily="50" charset="-127"/>
+                          <a:ea typeface="맑은 고딕" panose="020B0503020000020004" pitchFamily="50" charset="-127"/>
+                        </a:rPr>
+                        <a:t>)</a:t>
+                      </a:r>
+                      <a:r>
+                        <a:rPr lang="ko-KR" altLang="en-US" sz="1100" u="none" strike="noStrike" cap="none" dirty="0">
+                          <a:solidFill>
+                            <a:schemeClr val="dk1"/>
+                          </a:solidFill>
+                          <a:latin typeface="맑은 고딕" panose="020B0503020000020004" pitchFamily="50" charset="-127"/>
+                          <a:ea typeface="맑은 고딕" panose="020B0503020000020004" pitchFamily="50" charset="-127"/>
+                        </a:rPr>
+                        <a:t>의 유효기간이 </a:t>
+                      </a:r>
+                      <a:r>
+                        <a:rPr lang="en-US" altLang="ko-KR" sz="1100" u="none" strike="noStrike" cap="none" dirty="0">
+                          <a:solidFill>
+                            <a:schemeClr val="dk1"/>
+                          </a:solidFill>
+                          <a:latin typeface="맑은 고딕" panose="020B0503020000020004" pitchFamily="50" charset="-127"/>
+                          <a:ea typeface="맑은 고딕" panose="020B0503020000020004" pitchFamily="50" charset="-127"/>
+                        </a:rPr>
+                        <a:t>(</a:t>
+                      </a:r>
+                      <a:r>
+                        <a:rPr lang="ko-KR" altLang="en-US" sz="1100" u="none" strike="noStrike" cap="none" dirty="0">
+                          <a:solidFill>
+                            <a:schemeClr val="dk1"/>
+                          </a:solidFill>
+                          <a:latin typeface="맑은 고딕" panose="020B0503020000020004" pitchFamily="50" charset="-127"/>
+                          <a:ea typeface="맑은 고딕" panose="020B0503020000020004" pitchFamily="50" charset="-127"/>
+                        </a:rPr>
+                        <a:t>남은 유효일자</a:t>
+                      </a:r>
+                      <a:r>
+                        <a:rPr lang="en-US" altLang="ko-KR" sz="1100" u="none" strike="noStrike" cap="none" dirty="0">
+                          <a:solidFill>
+                            <a:schemeClr val="dk1"/>
+                          </a:solidFill>
+                          <a:latin typeface="맑은 고딕" panose="020B0503020000020004" pitchFamily="50" charset="-127"/>
+                          <a:ea typeface="맑은 고딕" panose="020B0503020000020004" pitchFamily="50" charset="-127"/>
+                        </a:rPr>
+                        <a:t>)</a:t>
+                      </a:r>
+                      <a:r>
+                        <a:rPr lang="ko-KR" altLang="en-US" sz="1100" u="none" strike="noStrike" cap="none" dirty="0">
+                          <a:solidFill>
+                            <a:schemeClr val="dk1"/>
+                          </a:solidFill>
+                          <a:latin typeface="맑은 고딕" panose="020B0503020000020004" pitchFamily="50" charset="-127"/>
+                          <a:ea typeface="맑은 고딕" panose="020B0503020000020004" pitchFamily="50" charset="-127"/>
+                        </a:rPr>
+                        <a:t>일 남았습니다</a:t>
+                      </a:r>
+                      <a:r>
+                        <a:rPr lang="en-US" altLang="ko-KR" sz="1100" u="none" strike="noStrike" cap="none" dirty="0">
+                          <a:solidFill>
+                            <a:schemeClr val="dk1"/>
+                          </a:solidFill>
+                          <a:latin typeface="맑은 고딕" panose="020B0503020000020004" pitchFamily="50" charset="-127"/>
+                          <a:ea typeface="맑은 고딕" panose="020B0503020000020004" pitchFamily="50" charset="-127"/>
+                        </a:rPr>
+                        <a:t>.”</a:t>
+                      </a:r>
+                      <a:r>
+                        <a:rPr lang="ko-KR" altLang="en-US" sz="1100" u="none" strike="noStrike" cap="none" dirty="0">
+                          <a:solidFill>
+                            <a:schemeClr val="dk1"/>
+                          </a:solidFill>
+                          <a:latin typeface="맑은 고딕" panose="020B0503020000020004" pitchFamily="50" charset="-127"/>
+                          <a:ea typeface="맑은 고딕" panose="020B0503020000020004" pitchFamily="50" charset="-127"/>
+                        </a:rPr>
+                        <a:t>라는 알림을 보낸다</a:t>
+                      </a:r>
+                      <a:r>
+                        <a:rPr lang="en-US" altLang="ko-KR" sz="1100" u="none" strike="noStrike" cap="none" dirty="0">
+                          <a:solidFill>
+                            <a:schemeClr val="dk1"/>
+                          </a:solidFill>
+                          <a:latin typeface="맑은 고딕" panose="020B0503020000020004" pitchFamily="50" charset="-127"/>
+                          <a:ea typeface="맑은 고딕" panose="020B0503020000020004" pitchFamily="50" charset="-127"/>
+                        </a:rPr>
                         <a:t>. </a:t>
                       </a:r>
                       <a:r>
@@ -6770,34 +6984,8 @@
                           <a:latin typeface="맑은 고딕" panose="020B0503020000020004" pitchFamily="50" charset="-127"/>
                           <a:ea typeface="맑은 고딕" panose="020B0503020000020004" pitchFamily="50" charset="-127"/>
                         </a:rPr>
-                        <a:t>로직이 실행되면 </a:t>
-                      </a:r>
-                      <a:endParaRPr lang="en-US" altLang="ko-KR" sz="1100" u="none" strike="noStrike" cap="none" dirty="0">
-                        <a:solidFill>
-                          <a:schemeClr val="dk1"/>
-                        </a:solidFill>
-                        <a:latin typeface="맑은 고딕" panose="020B0503020000020004" pitchFamily="50" charset="-127"/>
-                        <a:ea typeface="맑은 고딕" panose="020B0503020000020004" pitchFamily="50" charset="-127"/>
-                      </a:endParaRPr>
-                    </a:p>
-                    <a:p>
-                      <a:pPr marL="0" marR="0" lvl="0" indent="0" algn="just" rtl="0">
-                        <a:lnSpc>
-                          <a:spcPct val="150000"/>
-                        </a:lnSpc>
-                        <a:spcBef>
-                          <a:spcPts val="0"/>
-                        </a:spcBef>
-                        <a:spcAft>
-                          <a:spcPts val="0"/>
-                        </a:spcAft>
-                        <a:buClr>
-                          <a:schemeClr val="dk1"/>
-                        </a:buClr>
-                        <a:buSzPts val="1100"/>
-                        <a:buFont typeface="Arial"/>
-                        <a:buNone/>
-                      </a:pPr>
+                        <a:t>유효기간이 지나면</a:t>
+                      </a:r>
                       <a:r>
                         <a:rPr lang="en-US" altLang="ko-KR" sz="1100" u="none" strike="noStrike" cap="none" dirty="0">
                           <a:solidFill>
@@ -6806,17 +6994,17 @@
                           <a:latin typeface="맑은 고딕" panose="020B0503020000020004" pitchFamily="50" charset="-127"/>
                           <a:ea typeface="맑은 고딕" panose="020B0503020000020004" pitchFamily="50" charset="-127"/>
                         </a:rPr>
-                        <a:t>        </a:t>
+                        <a:t>, </a:t>
                       </a:r>
                       <a:r>
                         <a:rPr lang="ko-KR" altLang="en-US" sz="1100" u="none" strike="noStrike" cap="none" dirty="0">
                           <a:solidFill>
-                            <a:srgbClr val="0432FF"/>
-                          </a:solidFill>
-                          <a:latin typeface="맑은 고딕" panose="020B0503020000020004" pitchFamily="50" charset="-127"/>
-                          <a:ea typeface="맑은 고딕" panose="020B0503020000020004" pitchFamily="50" charset="-127"/>
-                        </a:rPr>
-                        <a:t>시스템은 </a:t>
+                            <a:srgbClr val="0000FF"/>
+                          </a:solidFill>
+                          <a:latin typeface="맑은 고딕" panose="020B0503020000020004" pitchFamily="50" charset="-127"/>
+                          <a:ea typeface="맑은 고딕" panose="020B0503020000020004" pitchFamily="50" charset="-127"/>
+                        </a:rPr>
+                        <a:t>시스템은</a:t>
                       </a:r>
                       <a:r>
                         <a:rPr lang="ko-KR" altLang="en-US" sz="1100" u="none" strike="noStrike" cap="none" dirty="0">
@@ -6826,7 +7014,7 @@
                           <a:latin typeface="맑은 고딕" panose="020B0503020000020004" pitchFamily="50" charset="-127"/>
                           <a:ea typeface="맑은 고딕" panose="020B0503020000020004" pitchFamily="50" charset="-127"/>
                         </a:rPr>
-                        <a:t>시스템에 존재하는 모든 약품을 대상으로 약품의 유효기간을 검사한다</a:t>
+                        <a:t> </a:t>
                       </a:r>
                       <a:r>
                         <a:rPr lang="en-US" altLang="ko-KR" sz="1100" u="none" strike="noStrike" cap="none" dirty="0">
@@ -6836,47 +7024,107 @@
                           <a:latin typeface="맑은 고딕" panose="020B0503020000020004" pitchFamily="50" charset="-127"/>
                           <a:ea typeface="맑은 고딕" panose="020B0503020000020004" pitchFamily="50" charset="-127"/>
                         </a:rPr>
+                        <a:t>“(</a:t>
+                      </a:r>
+                      <a:r>
+                        <a:rPr lang="ko-KR" altLang="en-US" sz="1100" u="none" strike="noStrike" cap="none" dirty="0">
+                          <a:solidFill>
+                            <a:schemeClr val="dk1"/>
+                          </a:solidFill>
+                          <a:latin typeface="맑은 고딕" panose="020B0503020000020004" pitchFamily="50" charset="-127"/>
+                          <a:ea typeface="맑은 고딕" panose="020B0503020000020004" pitchFamily="50" charset="-127"/>
+                        </a:rPr>
+                        <a:t>약품이름</a:t>
+                      </a:r>
+                      <a:r>
+                        <a:rPr lang="en-US" altLang="ko-KR" sz="1100" u="none" strike="noStrike" cap="none" dirty="0">
+                          <a:solidFill>
+                            <a:schemeClr val="dk1"/>
+                          </a:solidFill>
+                          <a:latin typeface="맑은 고딕" panose="020B0503020000020004" pitchFamily="50" charset="-127"/>
+                          <a:ea typeface="맑은 고딕" panose="020B0503020000020004" pitchFamily="50" charset="-127"/>
+                        </a:rPr>
+                        <a:t>)</a:t>
+                      </a:r>
+                      <a:r>
+                        <a:rPr lang="ko-KR" altLang="en-US" sz="1100" u="none" strike="noStrike" cap="none" dirty="0">
+                          <a:solidFill>
+                            <a:schemeClr val="dk1"/>
+                          </a:solidFill>
+                          <a:latin typeface="맑은 고딕" panose="020B0503020000020004" pitchFamily="50" charset="-127"/>
+                          <a:ea typeface="맑은 고딕" panose="020B0503020000020004" pitchFamily="50" charset="-127"/>
+                        </a:rPr>
+                        <a:t>의 유효기간이 지났습니다</a:t>
+                      </a:r>
+                      <a:r>
+                        <a:rPr lang="en-US" altLang="ko-KR" sz="1100" u="none" strike="noStrike" cap="none" dirty="0">
+                          <a:solidFill>
+                            <a:schemeClr val="dk1"/>
+                          </a:solidFill>
+                          <a:latin typeface="맑은 고딕" panose="020B0503020000020004" pitchFamily="50" charset="-127"/>
+                          <a:ea typeface="맑은 고딕" panose="020B0503020000020004" pitchFamily="50" charset="-127"/>
+                        </a:rPr>
+                        <a:t>.”</a:t>
+                      </a:r>
+                      <a:r>
+                        <a:rPr lang="ko-KR" altLang="en-US" sz="1100" u="none" strike="noStrike" cap="none" dirty="0">
+                          <a:solidFill>
+                            <a:schemeClr val="dk1"/>
+                          </a:solidFill>
+                          <a:latin typeface="맑은 고딕" panose="020B0503020000020004" pitchFamily="50" charset="-127"/>
+                          <a:ea typeface="맑은 고딕" panose="020B0503020000020004" pitchFamily="50" charset="-127"/>
+                        </a:rPr>
+                        <a:t>라는 알림을 보낸 후 해당 약품의 남은 양을 </a:t>
+                      </a:r>
+                      <a:r>
+                        <a:rPr lang="en-US" altLang="ko-KR" sz="1100" u="none" strike="noStrike" cap="none" dirty="0">
+                          <a:solidFill>
+                            <a:schemeClr val="dk1"/>
+                          </a:solidFill>
+                          <a:latin typeface="맑은 고딕" panose="020B0503020000020004" pitchFamily="50" charset="-127"/>
+                          <a:ea typeface="맑은 고딕" panose="020B0503020000020004" pitchFamily="50" charset="-127"/>
+                        </a:rPr>
+                        <a:t>0</a:t>
+                      </a:r>
+                      <a:r>
+                        <a:rPr lang="ko-KR" altLang="en-US" sz="1100" u="none" strike="noStrike" cap="none" dirty="0">
+                          <a:solidFill>
+                            <a:schemeClr val="dk1"/>
+                          </a:solidFill>
+                          <a:latin typeface="맑은 고딕" panose="020B0503020000020004" pitchFamily="50" charset="-127"/>
+                          <a:ea typeface="맑은 고딕" panose="020B0503020000020004" pitchFamily="50" charset="-127"/>
+                        </a:rPr>
+                        <a:t>으로 바꾼다</a:t>
+                      </a:r>
+                      <a:r>
+                        <a:rPr lang="en-US" altLang="ko-KR" sz="1100" u="none" strike="noStrike" cap="none" dirty="0">
+                          <a:solidFill>
+                            <a:schemeClr val="dk1"/>
+                          </a:solidFill>
+                          <a:latin typeface="맑은 고딕" panose="020B0503020000020004" pitchFamily="50" charset="-127"/>
+                          <a:ea typeface="맑은 고딕" panose="020B0503020000020004" pitchFamily="50" charset="-127"/>
+                        </a:rPr>
                         <a:t>. </a:t>
                       </a:r>
                       <a:r>
+                        <a:rPr lang="en-US" altLang="ko-KR" sz="1100" u="none" strike="noStrike" cap="none" dirty="0">
+                          <a:solidFill>
+                            <a:srgbClr val="0E0EFF"/>
+                          </a:solidFill>
+                          <a:latin typeface="맑은 고딕" panose="020B0503020000020004" pitchFamily="50" charset="-127"/>
+                          <a:ea typeface="맑은 고딕" panose="020B0503020000020004" pitchFamily="50" charset="-127"/>
+                        </a:rPr>
+                        <a:t>my Lab </a:t>
+                      </a:r>
+                      <a:r>
                         <a:rPr lang="ko-KR" altLang="en-US" sz="1100" u="none" strike="noStrike" cap="none" dirty="0">
                           <a:solidFill>
-                            <a:schemeClr val="dk1"/>
-                          </a:solidFill>
-                          <a:latin typeface="맑은 고딕" panose="020B0503020000020004" pitchFamily="50" charset="-127"/>
-                          <a:ea typeface="맑은 고딕" panose="020B0503020000020004" pitchFamily="50" charset="-127"/>
-                        </a:rPr>
-                        <a:t>알림은 </a:t>
-                      </a:r>
-                      <a:r>
-                        <a:rPr lang="ko-KR" altLang="en-US" sz="1100" u="none" strike="noStrike" cap="none">
-                          <a:solidFill>
-                            <a:schemeClr val="dk1"/>
-                          </a:solidFill>
-                          <a:latin typeface="맑은 고딕" panose="020B0503020000020004" pitchFamily="50" charset="-127"/>
-                          <a:ea typeface="맑은 고딕" panose="020B0503020000020004" pitchFamily="50" charset="-127"/>
-                        </a:rPr>
-                        <a:t>유효기간의 </a:t>
-                      </a:r>
-                      <a:r>
-                        <a:rPr lang="en-US" altLang="ko-KR" sz="1100" u="none" strike="noStrike" cap="none">
-                          <a:solidFill>
-                            <a:schemeClr val="dk1"/>
-                          </a:solidFill>
-                          <a:latin typeface="맑은 고딕" panose="020B0503020000020004" pitchFamily="50" charset="-127"/>
-                          <a:ea typeface="맑은 고딕" panose="020B0503020000020004" pitchFamily="50" charset="-127"/>
-                        </a:rPr>
-                        <a:t>3</a:t>
-                      </a:r>
-                      <a:r>
-                        <a:rPr lang="ko-KR" altLang="en-US" sz="1100" u="none" strike="noStrike" cap="none">
-                          <a:solidFill>
-                            <a:schemeClr val="dk1"/>
-                          </a:solidFill>
-                          <a:latin typeface="맑은 고딕" panose="020B0503020000020004" pitchFamily="50" charset="-127"/>
-                          <a:ea typeface="맑은 고딕" panose="020B0503020000020004" pitchFamily="50" charset="-127"/>
-                        </a:rPr>
-                        <a:t>일 </a:t>
+                            <a:srgbClr val="0E0EFF"/>
+                          </a:solidFill>
+                          <a:latin typeface="맑은 고딕" panose="020B0503020000020004" pitchFamily="50" charset="-127"/>
+                          <a:ea typeface="맑은 고딕" panose="020B0503020000020004" pitchFamily="50" charset="-127"/>
+                        </a:rPr>
+                        <a:t>멤버</a:t>
                       </a:r>
                       <a:r>
                         <a:rPr lang="ko-KR" altLang="en-US" sz="1100" u="none" strike="noStrike" cap="none" dirty="0">
@@ -6886,10 +7134,10 @@
                           <a:latin typeface="맑은 고딕" panose="020B0503020000020004" pitchFamily="50" charset="-127"/>
                           <a:ea typeface="맑은 고딕" panose="020B0503020000020004" pitchFamily="50" charset="-127"/>
                         </a:rPr>
-                        <a:t>전</a:t>
-                      </a:r>
-                      <a:r>
-                        <a:rPr lang="en-US" altLang="ko-KR" sz="1100" u="none" strike="noStrike" cap="none">
+                        <a:t>가 약품명을 클릭하면</a:t>
+                      </a:r>
+                      <a:r>
+                        <a:rPr lang="en-US" altLang="ko-KR" sz="1100" u="none" strike="noStrike" cap="none" dirty="0">
                           <a:solidFill>
                             <a:schemeClr val="dk1"/>
                           </a:solidFill>
@@ -6898,45 +7146,6 @@
                         </a:rPr>
                         <a:t>, </a:t>
                       </a:r>
-                    </a:p>
-                    <a:p>
-                      <a:pPr marL="0" marR="0" lvl="0" indent="0" algn="just" rtl="0">
-                        <a:lnSpc>
-                          <a:spcPct val="150000"/>
-                        </a:lnSpc>
-                        <a:spcBef>
-                          <a:spcPts val="0"/>
-                        </a:spcBef>
-                        <a:spcAft>
-                          <a:spcPts val="0"/>
-                        </a:spcAft>
-                        <a:buClr>
-                          <a:schemeClr val="dk1"/>
-                        </a:buClr>
-                        <a:buSzPts val="1100"/>
-                        <a:buFont typeface="Arial"/>
-                        <a:buNone/>
-                      </a:pPr>
-                      <a:r>
-                        <a:rPr lang="en-US" altLang="ko-KR" sz="1100" u="none" strike="noStrike" cap="none">
-                          <a:solidFill>
-                            <a:schemeClr val="dk1"/>
-                          </a:solidFill>
-                          <a:latin typeface="맑은 고딕" panose="020B0503020000020004" pitchFamily="50" charset="-127"/>
-                          <a:ea typeface="맑은 고딕" panose="020B0503020000020004" pitchFamily="50" charset="-127"/>
-                        </a:rPr>
-                        <a:t>        </a:t>
-                      </a:r>
-                      <a:r>
-                        <a:rPr lang="ko-KR" altLang="en-US" sz="1100" u="none" strike="noStrike" cap="none">
-                          <a:solidFill>
-                            <a:schemeClr val="dk1"/>
-                          </a:solidFill>
-                          <a:latin typeface="맑은 고딕" panose="020B0503020000020004" pitchFamily="50" charset="-127"/>
-                          <a:ea typeface="맑은 고딕" panose="020B0503020000020004" pitchFamily="50" charset="-127"/>
-                        </a:rPr>
-                        <a:t>당일 </a:t>
-                      </a:r>
                       <a:r>
                         <a:rPr lang="ko-KR" altLang="en-US" sz="1100" u="none" strike="noStrike" cap="none" dirty="0">
                           <a:solidFill>
@@ -6945,7 +7154,7 @@
                           <a:latin typeface="맑은 고딕" panose="020B0503020000020004" pitchFamily="50" charset="-127"/>
                           <a:ea typeface="맑은 고딕" panose="020B0503020000020004" pitchFamily="50" charset="-127"/>
                         </a:rPr>
-                        <a:t>으로 하며</a:t>
+                        <a:t>약품 정보창으로 이동한 후</a:t>
                       </a:r>
                       <a:r>
                         <a:rPr lang="en-US" altLang="ko-KR" sz="1100" u="none" strike="noStrike" cap="none" dirty="0">
@@ -6955,7 +7164,7 @@
                           <a:latin typeface="맑은 고딕" panose="020B0503020000020004" pitchFamily="50" charset="-127"/>
                           <a:ea typeface="맑은 고딕" panose="020B0503020000020004" pitchFamily="50" charset="-127"/>
                         </a:rPr>
-                        <a:t>, </a:t>
+                        <a:t>,</a:t>
                       </a:r>
                       <a:r>
                         <a:rPr lang="ko-KR" altLang="en-US" sz="1100" u="none" strike="noStrike" cap="none" dirty="0">
@@ -6965,292 +7174,50 @@
                           <a:latin typeface="맑은 고딕" panose="020B0503020000020004" pitchFamily="50" charset="-127"/>
                           <a:ea typeface="맑은 고딕" panose="020B0503020000020004" pitchFamily="50" charset="-127"/>
                         </a:rPr>
-                        <a:t>해당 날짜가 되면 </a:t>
+                        <a:t> </a:t>
                       </a:r>
                       <a:r>
                         <a:rPr lang="ko-KR" altLang="en-US" sz="1100" u="none" strike="noStrike" cap="none" dirty="0">
                           <a:solidFill>
-                            <a:srgbClr val="0432FF"/>
-                          </a:solidFill>
-                          <a:latin typeface="맑은 고딕" panose="020B0503020000020004" pitchFamily="50" charset="-127"/>
-                          <a:ea typeface="맑은 고딕" panose="020B0503020000020004" pitchFamily="50" charset="-127"/>
-                        </a:rPr>
-                        <a:t>시스템은</a:t>
+                            <a:srgbClr val="0000FF"/>
+                          </a:solidFill>
+                          <a:latin typeface="맑은 고딕" panose="020B0503020000020004" pitchFamily="50" charset="-127"/>
+                          <a:ea typeface="맑은 고딕" panose="020B0503020000020004" pitchFamily="50" charset="-127"/>
+                        </a:rPr>
+                        <a:t>본 </a:t>
+                      </a:r>
+                      <a:r>
+                        <a:rPr lang="ko-KR" altLang="en-US" sz="1100" u="none" strike="noStrike" cap="none" dirty="0" err="1">
+                          <a:solidFill>
+                            <a:srgbClr val="0000FF"/>
+                          </a:solidFill>
+                          <a:latin typeface="맑은 고딕" panose="020B0503020000020004" pitchFamily="50" charset="-127"/>
+                          <a:ea typeface="맑은 고딕" panose="020B0503020000020004" pitchFamily="50" charset="-127"/>
+                        </a:rPr>
+                        <a:t>유스케이스를</a:t>
                       </a:r>
                       <a:r>
                         <a:rPr lang="ko-KR" altLang="en-US" sz="1100" u="none" strike="noStrike" cap="none" dirty="0">
                           <a:solidFill>
-                            <a:schemeClr val="dk1"/>
-                          </a:solidFill>
-                          <a:latin typeface="맑은 고딕" panose="020B0503020000020004" pitchFamily="50" charset="-127"/>
-                          <a:ea typeface="맑은 고딕" panose="020B0503020000020004" pitchFamily="50" charset="-127"/>
-                        </a:rPr>
-                        <a:t> 해당 약품을 소유하고 있는 </a:t>
+                            <a:srgbClr val="0000FF"/>
+                          </a:solidFill>
+                          <a:latin typeface="맑은 고딕" panose="020B0503020000020004" pitchFamily="50" charset="-127"/>
+                          <a:ea typeface="맑은 고딕" panose="020B0503020000020004" pitchFamily="50" charset="-127"/>
+                        </a:rPr>
+                        <a:t> 종료한다</a:t>
                       </a:r>
                       <a:r>
                         <a:rPr lang="en-US" altLang="ko-KR" sz="1100" u="none" strike="noStrike" cap="none" dirty="0">
                           <a:solidFill>
-                            <a:schemeClr val="dk1"/>
-                          </a:solidFill>
-                          <a:latin typeface="맑은 고딕" panose="020B0503020000020004" pitchFamily="50" charset="-127"/>
-                          <a:ea typeface="맑은 고딕" panose="020B0503020000020004" pitchFamily="50" charset="-127"/>
-                        </a:rPr>
-                        <a:t>my Lab</a:t>
-                      </a:r>
-                      <a:r>
-                        <a:rPr lang="ko-KR" altLang="en-US" sz="1100" u="none" strike="noStrike" cap="none" dirty="0">
-                          <a:solidFill>
-                            <a:schemeClr val="dk1"/>
-                          </a:solidFill>
-                          <a:latin typeface="맑은 고딕" panose="020B0503020000020004" pitchFamily="50" charset="-127"/>
-                          <a:ea typeface="맑은 고딕" panose="020B0503020000020004" pitchFamily="50" charset="-127"/>
-                        </a:rPr>
-                        <a:t>의 모든 멤버들에게  약품의 </a:t>
-                      </a:r>
-                      <a:endParaRPr lang="en-US" altLang="ko-KR" sz="1100" u="none" strike="noStrike" cap="none" dirty="0">
-                        <a:solidFill>
-                          <a:schemeClr val="dk1"/>
-                        </a:solidFill>
-                        <a:latin typeface="맑은 고딕" panose="020B0503020000020004" pitchFamily="50" charset="-127"/>
-                        <a:ea typeface="맑은 고딕" panose="020B0503020000020004" pitchFamily="50" charset="-127"/>
-                      </a:endParaRPr>
-                    </a:p>
-                    <a:p>
-                      <a:pPr marL="0" marR="0" lvl="0" indent="0" algn="just" rtl="0">
-                        <a:lnSpc>
-                          <a:spcPct val="150000"/>
-                        </a:lnSpc>
-                        <a:spcBef>
-                          <a:spcPts val="0"/>
-                        </a:spcBef>
-                        <a:spcAft>
-                          <a:spcPts val="0"/>
-                        </a:spcAft>
-                        <a:buClr>
-                          <a:schemeClr val="dk1"/>
-                        </a:buClr>
-                        <a:buSzPts val="1100"/>
-                        <a:buFont typeface="Arial"/>
-                        <a:buNone/>
-                      </a:pPr>
+                            <a:srgbClr val="0000FF"/>
+                          </a:solidFill>
+                          <a:latin typeface="맑은 고딕" panose="020B0503020000020004" pitchFamily="50" charset="-127"/>
+                          <a:ea typeface="맑은 고딕" panose="020B0503020000020004" pitchFamily="50" charset="-127"/>
+                        </a:rPr>
+                        <a:t>. </a:t>
+                      </a:r>
                       <a:r>
                         <a:rPr lang="en-US" altLang="ko-KR" sz="1100" u="none" strike="noStrike" cap="none" dirty="0">
-                          <a:solidFill>
-                            <a:schemeClr val="dk1"/>
-                          </a:solidFill>
-                          <a:latin typeface="맑은 고딕" panose="020B0503020000020004" pitchFamily="50" charset="-127"/>
-                          <a:ea typeface="맑은 고딕" panose="020B0503020000020004" pitchFamily="50" charset="-127"/>
-                        </a:rPr>
-                        <a:t>        </a:t>
-                      </a:r>
-                      <a:r>
-                        <a:rPr lang="ko-KR" altLang="en-US" sz="1100" u="none" strike="noStrike" cap="none" dirty="0">
-                          <a:solidFill>
-                            <a:schemeClr val="dk1"/>
-                          </a:solidFill>
-                          <a:latin typeface="맑은 고딕" panose="020B0503020000020004" pitchFamily="50" charset="-127"/>
-                          <a:ea typeface="맑은 고딕" panose="020B0503020000020004" pitchFamily="50" charset="-127"/>
-                        </a:rPr>
-                        <a:t>유효기간 알림을 보낸다</a:t>
-                      </a:r>
-                      <a:r>
-                        <a:rPr lang="en-US" altLang="ko-KR" sz="1100" u="none" strike="noStrike" cap="none" dirty="0">
-                          <a:solidFill>
-                            <a:schemeClr val="dk1"/>
-                          </a:solidFill>
-                          <a:latin typeface="맑은 고딕" panose="020B0503020000020004" pitchFamily="50" charset="-127"/>
-                          <a:ea typeface="맑은 고딕" panose="020B0503020000020004" pitchFamily="50" charset="-127"/>
-                        </a:rPr>
-                        <a:t>. </a:t>
-                      </a:r>
-                      <a:r>
-                        <a:rPr lang="ko-KR" altLang="en-US" sz="1100" u="none" strike="noStrike" cap="none" dirty="0">
-                          <a:solidFill>
-                            <a:schemeClr val="dk1"/>
-                          </a:solidFill>
-                          <a:latin typeface="맑은 고딕" panose="020B0503020000020004" pitchFamily="50" charset="-127"/>
-                          <a:ea typeface="맑은 고딕" panose="020B0503020000020004" pitchFamily="50" charset="-127"/>
-                        </a:rPr>
-                        <a:t>유효기간이 지나면</a:t>
-                      </a:r>
-                      <a:r>
-                        <a:rPr lang="en-US" altLang="ko-KR" sz="1100" u="none" strike="noStrike" cap="none" dirty="0">
-                          <a:solidFill>
-                            <a:schemeClr val="dk1"/>
-                          </a:solidFill>
-                          <a:latin typeface="맑은 고딕" panose="020B0503020000020004" pitchFamily="50" charset="-127"/>
-                          <a:ea typeface="맑은 고딕" panose="020B0503020000020004" pitchFamily="50" charset="-127"/>
-                        </a:rPr>
-                        <a:t>, </a:t>
-                      </a:r>
-                      <a:r>
-                        <a:rPr lang="ko-KR" altLang="en-US" sz="1100" u="none" strike="noStrike" cap="none">
-                          <a:solidFill>
-                            <a:srgbClr val="0000FF"/>
-                          </a:solidFill>
-                          <a:latin typeface="맑은 고딕" panose="020B0503020000020004" pitchFamily="50" charset="-127"/>
-                          <a:ea typeface="맑은 고딕" panose="020B0503020000020004" pitchFamily="50" charset="-127"/>
-                        </a:rPr>
-                        <a:t>시스템은</a:t>
-                      </a:r>
-                      <a:r>
-                        <a:rPr lang="ko-KR" altLang="en-US" sz="1100" u="none" strike="noStrike" cap="none">
-                          <a:solidFill>
-                            <a:schemeClr val="dk1"/>
-                          </a:solidFill>
-                          <a:latin typeface="맑은 고딕" panose="020B0503020000020004" pitchFamily="50" charset="-127"/>
-                          <a:ea typeface="맑은 고딕" panose="020B0503020000020004" pitchFamily="50" charset="-127"/>
-                        </a:rPr>
-                        <a:t> 유효기간이 지났다는 알림을 보낸 후 해당 </a:t>
-                      </a:r>
-                      <a:r>
-                        <a:rPr lang="ko-KR" altLang="en-US" sz="1100" u="none" strike="noStrike" cap="none" dirty="0">
-                          <a:solidFill>
-                            <a:schemeClr val="dk1"/>
-                          </a:solidFill>
-                          <a:latin typeface="맑은 고딕" panose="020B0503020000020004" pitchFamily="50" charset="-127"/>
-                          <a:ea typeface="맑은 고딕" panose="020B0503020000020004" pitchFamily="50" charset="-127"/>
-                        </a:rPr>
-                        <a:t>약품의 남은 </a:t>
-                      </a:r>
-                      <a:r>
-                        <a:rPr lang="ko-KR" altLang="en-US" sz="1100" u="none" strike="noStrike" cap="none">
-                          <a:solidFill>
-                            <a:schemeClr val="dk1"/>
-                          </a:solidFill>
-                          <a:latin typeface="맑은 고딕" panose="020B0503020000020004" pitchFamily="50" charset="-127"/>
-                          <a:ea typeface="맑은 고딕" panose="020B0503020000020004" pitchFamily="50" charset="-127"/>
-                        </a:rPr>
-                        <a:t>양을            </a:t>
-                      </a:r>
-                      <a:endParaRPr lang="en-US" altLang="ko-KR" sz="1100" u="none" strike="noStrike" cap="none">
-                        <a:solidFill>
-                          <a:schemeClr val="dk1"/>
-                        </a:solidFill>
-                        <a:latin typeface="맑은 고딕" panose="020B0503020000020004" pitchFamily="50" charset="-127"/>
-                        <a:ea typeface="맑은 고딕" panose="020B0503020000020004" pitchFamily="50" charset="-127"/>
-                      </a:endParaRPr>
-                    </a:p>
-                    <a:p>
-                      <a:pPr marL="0" marR="0" lvl="0" indent="0" algn="just" rtl="0">
-                        <a:lnSpc>
-                          <a:spcPct val="150000"/>
-                        </a:lnSpc>
-                        <a:spcBef>
-                          <a:spcPts val="0"/>
-                        </a:spcBef>
-                        <a:spcAft>
-                          <a:spcPts val="0"/>
-                        </a:spcAft>
-                        <a:buClr>
-                          <a:schemeClr val="dk1"/>
-                        </a:buClr>
-                        <a:buSzPts val="1100"/>
-                        <a:buFont typeface="Arial"/>
-                        <a:buNone/>
-                      </a:pPr>
-                      <a:r>
-                        <a:rPr lang="en-US" altLang="ko-KR" sz="1100" u="none" strike="noStrike" cap="none">
-                          <a:solidFill>
-                            <a:schemeClr val="dk1"/>
-                          </a:solidFill>
-                          <a:latin typeface="맑은 고딕" panose="020B0503020000020004" pitchFamily="50" charset="-127"/>
-                          <a:ea typeface="맑은 고딕" panose="020B0503020000020004" pitchFamily="50" charset="-127"/>
-                        </a:rPr>
-                        <a:t>        0</a:t>
-                      </a:r>
-                      <a:r>
-                        <a:rPr lang="ko-KR" altLang="en-US" sz="1100" u="none" strike="noStrike" cap="none">
-                          <a:solidFill>
-                            <a:schemeClr val="dk1"/>
-                          </a:solidFill>
-                          <a:latin typeface="맑은 고딕" panose="020B0503020000020004" pitchFamily="50" charset="-127"/>
-                          <a:ea typeface="맑은 고딕" panose="020B0503020000020004" pitchFamily="50" charset="-127"/>
-                        </a:rPr>
-                        <a:t>으로 바꾼다</a:t>
-                      </a:r>
-                      <a:r>
-                        <a:rPr lang="en-US" altLang="ko-KR" sz="1100" u="none" strike="noStrike" cap="none">
-                          <a:solidFill>
-                            <a:schemeClr val="dk1"/>
-                          </a:solidFill>
-                          <a:latin typeface="맑은 고딕" panose="020B0503020000020004" pitchFamily="50" charset="-127"/>
-                          <a:ea typeface="맑은 고딕" panose="020B0503020000020004" pitchFamily="50" charset="-127"/>
-                        </a:rPr>
-                        <a:t>. my Lab </a:t>
-                      </a:r>
-                      <a:r>
-                        <a:rPr lang="ko-KR" altLang="en-US" sz="1100" u="none" strike="noStrike" cap="none">
-                          <a:solidFill>
-                            <a:schemeClr val="dk1"/>
-                          </a:solidFill>
-                          <a:latin typeface="맑은 고딕" panose="020B0503020000020004" pitchFamily="50" charset="-127"/>
-                          <a:ea typeface="맑은 고딕" panose="020B0503020000020004" pitchFamily="50" charset="-127"/>
-                        </a:rPr>
-                        <a:t>멤버가 약품명을 클릭하면</a:t>
-                      </a:r>
-                      <a:r>
-                        <a:rPr lang="en-US" altLang="ko-KR" sz="1100" u="none" strike="noStrike" cap="none">
-                          <a:solidFill>
-                            <a:schemeClr val="dk1"/>
-                          </a:solidFill>
-                          <a:latin typeface="맑은 고딕" panose="020B0503020000020004" pitchFamily="50" charset="-127"/>
-                          <a:ea typeface="맑은 고딕" panose="020B0503020000020004" pitchFamily="50" charset="-127"/>
-                        </a:rPr>
-                        <a:t>, </a:t>
-                      </a:r>
-                      <a:r>
-                        <a:rPr lang="ko-KR" altLang="en-US" sz="1100" u="none" strike="noStrike" cap="none">
-                          <a:solidFill>
-                            <a:schemeClr val="dk1"/>
-                          </a:solidFill>
-                          <a:latin typeface="맑은 고딕" panose="020B0503020000020004" pitchFamily="50" charset="-127"/>
-                          <a:ea typeface="맑은 고딕" panose="020B0503020000020004" pitchFamily="50" charset="-127"/>
-                        </a:rPr>
-                        <a:t>약품 정보창으로 이동한 후 </a:t>
-                      </a:r>
-                      <a:r>
-                        <a:rPr lang="ko-KR" altLang="en-US" sz="1100" u="none" strike="noStrike" cap="none" dirty="0">
-                          <a:solidFill>
-                            <a:srgbClr val="0000FF"/>
-                          </a:solidFill>
-                          <a:latin typeface="맑은 고딕" panose="020B0503020000020004" pitchFamily="50" charset="-127"/>
-                          <a:ea typeface="맑은 고딕" panose="020B0503020000020004" pitchFamily="50" charset="-127"/>
-                        </a:rPr>
-                        <a:t>본 </a:t>
-                      </a:r>
-                      <a:r>
-                        <a:rPr lang="ko-KR" altLang="en-US" sz="1100" u="none" strike="noStrike" cap="none" err="1">
-                          <a:solidFill>
-                            <a:srgbClr val="0000FF"/>
-                          </a:solidFill>
-                          <a:latin typeface="맑은 고딕" panose="020B0503020000020004" pitchFamily="50" charset="-127"/>
-                          <a:ea typeface="맑은 고딕" panose="020B0503020000020004" pitchFamily="50" charset="-127"/>
-                        </a:rPr>
-                        <a:t>유스케이스를</a:t>
-                      </a:r>
-                      <a:r>
-                        <a:rPr lang="ko-KR" altLang="en-US" sz="1100" u="none" strike="noStrike" cap="none">
-                          <a:solidFill>
-                            <a:srgbClr val="0000FF"/>
-                          </a:solidFill>
-                          <a:latin typeface="맑은 고딕" panose="020B0503020000020004" pitchFamily="50" charset="-127"/>
-                          <a:ea typeface="맑은 고딕" panose="020B0503020000020004" pitchFamily="50" charset="-127"/>
-                        </a:rPr>
-                        <a:t> 종료한다</a:t>
-                      </a:r>
-                      <a:r>
-                        <a:rPr lang="en-US" altLang="ko-KR" sz="1100" u="none" strike="noStrike" cap="none">
-                          <a:solidFill>
-                            <a:srgbClr val="0000FF"/>
-                          </a:solidFill>
-                          <a:latin typeface="맑은 고딕" panose="020B0503020000020004" pitchFamily="50" charset="-127"/>
-                          <a:ea typeface="맑은 고딕" panose="020B0503020000020004" pitchFamily="50" charset="-127"/>
-                        </a:rPr>
-                        <a:t>. </a:t>
-                      </a:r>
-                      <a:r>
-                        <a:rPr lang="en-US" altLang="ko-KR" sz="1100" u="none" strike="noStrike" cap="none">
                           <a:solidFill>
                             <a:srgbClr val="FF0000"/>
                           </a:solidFill>
@@ -7546,11 +7513,17 @@
         <p:nvGraphicFramePr>
           <p:cNvPr id="244" name="Google Shape;244;p34"/>
           <p:cNvGraphicFramePr/>
-          <p:nvPr/>
+          <p:nvPr>
+            <p:extLst>
+              <p:ext uri="{D42A27DB-BD31-4B8C-83A1-F6EECF244321}">
+                <p14:modId xmlns:p14="http://schemas.microsoft.com/office/powerpoint/2010/main" val="1876840270"/>
+              </p:ext>
+            </p:extLst>
+          </p:nvPr>
         </p:nvGraphicFramePr>
         <p:xfrm>
           <a:off x="2135187" y="1268414"/>
-          <a:ext cx="7921600" cy="5275667"/>
+          <a:ext cx="7921600" cy="5527127"/>
         </p:xfrm>
         <a:graphic>
           <a:graphicData uri="http://schemas.openxmlformats.org/drawingml/2006/table">
@@ -8843,7 +8816,7 @@
                         <a:buNone/>
                       </a:pPr>
                       <a:r>
-                        <a:rPr lang="en-US" sz="1100" u="none" strike="noStrike" cap="none">
+                        <a:rPr lang="en-US" sz="1100" u="none" strike="noStrike" cap="none" dirty="0">
                           <a:solidFill>
                             <a:schemeClr val="tx1"/>
                           </a:solidFill>
@@ -8853,7 +8826,7 @@
                         <a:t>3. </a:t>
                       </a:r>
                       <a:r>
-                        <a:rPr lang="ko-KR" altLang="en-US" sz="1100" u="none" strike="noStrike" cap="none">
+                        <a:rPr lang="ko-KR" altLang="en-US" sz="1100" u="none" strike="noStrike" cap="none" dirty="0">
                           <a:solidFill>
                             <a:schemeClr val="tx1"/>
                           </a:solidFill>
@@ -8862,7 +8835,7 @@
                         </a:rPr>
                         <a:t>약품 재고 소진 알림 </a:t>
                       </a:r>
-                      <a:endParaRPr lang="en-US" altLang="ko-KR" sz="1100" u="none" strike="noStrike" cap="none">
+                      <a:endParaRPr lang="en-US" altLang="ko-KR" sz="1100" u="none" strike="noStrike" cap="none" dirty="0">
                         <a:solidFill>
                           <a:schemeClr val="tx1"/>
                         </a:solidFill>
@@ -8889,7 +8862,7 @@
                         <a:buNone/>
                       </a:pPr>
                       <a:r>
-                        <a:rPr lang="en-US" altLang="ko-KR" sz="1100" u="none" strike="noStrike" cap="none">
+                        <a:rPr lang="en-US" altLang="ko-KR" sz="1100" u="none" strike="noStrike" cap="none" dirty="0">
                           <a:solidFill>
                             <a:schemeClr val="tx1"/>
                           </a:solidFill>
@@ -8901,7 +8874,7 @@
                         <a:t> 3.1 </a:t>
                       </a:r>
                       <a:r>
-                        <a:rPr lang="ko-KR" altLang="en-US" sz="1100" u="none" strike="noStrike" cap="none">
+                        <a:rPr lang="ko-KR" altLang="en-US" sz="1100" u="none" strike="noStrike" cap="none" dirty="0">
                           <a:solidFill>
                             <a:schemeClr val="tx1"/>
                           </a:solidFill>
@@ -8912,7 +8885,7 @@
                         </a:rPr>
                         <a:t>약품 재고 소진 알림</a:t>
                       </a:r>
-                      <a:endParaRPr lang="en-US" altLang="ko-KR" sz="1100" u="none" strike="noStrike" cap="none">
+                      <a:endParaRPr lang="en-US" altLang="ko-KR" sz="1100" u="none" strike="noStrike" cap="none" dirty="0">
                         <a:solidFill>
                           <a:schemeClr val="tx1"/>
                         </a:solidFill>
@@ -8923,7 +8896,7 @@
                       </a:endParaRPr>
                     </a:p>
                     <a:p>
-                      <a:pPr marL="0" marR="0" lvl="0" indent="0" algn="just" rtl="0">
+                      <a:pPr marL="0" marR="0" lvl="0" indent="0" algn="just" defTabSz="914400" rtl="0" eaLnBrk="1" fontAlgn="auto" latinLnBrk="0" hangingPunct="1">
                         <a:lnSpc>
                           <a:spcPct val="150000"/>
                         </a:lnSpc>
@@ -8939,9 +8912,11 @@
                         <a:buSzPts val="1100"/>
                         <a:buFont typeface="Arial"/>
                         <a:buNone/>
+                        <a:tabLst/>
+                        <a:defRPr/>
                       </a:pPr>
                       <a:r>
-                        <a:rPr lang="en-US" altLang="ko-KR" sz="1100" u="none" strike="noStrike" cap="none">
+                        <a:rPr lang="en-US" altLang="ko-KR" sz="1100" u="none" strike="noStrike" cap="none" dirty="0">
                           <a:solidFill>
                             <a:schemeClr val="tx1"/>
                           </a:solidFill>
@@ -8952,7 +8927,7 @@
                         <a:t>        </a:t>
                       </a:r>
                       <a:r>
-                        <a:rPr lang="en-US" altLang="ko-KR" sz="1100">
+                        <a:rPr lang="en-US" altLang="ko-KR" sz="1100" dirty="0">
                           <a:solidFill>
                             <a:srgbClr val="0000FF"/>
                           </a:solidFill>
@@ -8962,7 +8937,7 @@
                         <a:t>System Clock</a:t>
                       </a:r>
                       <a:r>
-                        <a:rPr lang="ko-KR" altLang="en-US" sz="1100" u="none" strike="noStrike" cap="none">
+                        <a:rPr lang="ko-KR" altLang="en-US" sz="1100" u="none" strike="noStrike" cap="none" dirty="0">
                           <a:solidFill>
                             <a:srgbClr val="0000FF"/>
                           </a:solidFill>
@@ -8972,7 +8947,7 @@
                         <a:t>은 </a:t>
                       </a:r>
                       <a:r>
-                        <a:rPr lang="ko-KR" altLang="en-US" sz="1100" u="none" strike="noStrike" cap="none">
+                        <a:rPr lang="ko-KR" altLang="en-US" sz="1100" u="none" strike="noStrike" cap="none" dirty="0">
                           <a:solidFill>
                             <a:schemeClr val="dk1"/>
                           </a:solidFill>
@@ -8982,7 +8957,7 @@
                         <a:t>하루 중 지정된 시간 </a:t>
                       </a:r>
                       <a:r>
-                        <a:rPr lang="en-US" altLang="ko-KR" sz="1100" u="none" strike="noStrike" cap="none">
+                        <a:rPr lang="en-US" altLang="ko-KR" sz="1100" u="none" strike="noStrike" cap="none" dirty="0">
                           <a:solidFill>
                             <a:schemeClr val="dk1"/>
                           </a:solidFill>
@@ -8992,7 +8967,7 @@
                         <a:t>(09</a:t>
                       </a:r>
                       <a:r>
-                        <a:rPr lang="ko-KR" altLang="en-US" sz="1100" u="none" strike="noStrike" cap="none">
+                        <a:rPr lang="ko-KR" altLang="en-US" sz="1100" u="none" strike="noStrike" cap="none" dirty="0">
                           <a:solidFill>
                             <a:schemeClr val="dk1"/>
                           </a:solidFill>
@@ -9002,7 +8977,7 @@
                         <a:t>시</a:t>
                       </a:r>
                       <a:r>
-                        <a:rPr lang="en-US" altLang="ko-KR" sz="1100" u="none" strike="noStrike" cap="none">
+                        <a:rPr lang="en-US" altLang="ko-KR" sz="1100" u="none" strike="noStrike" cap="none" dirty="0">
                           <a:solidFill>
                             <a:schemeClr val="dk1"/>
                           </a:solidFill>
@@ -9012,410 +8987,357 @@
                         <a:t>)</a:t>
                       </a:r>
                       <a:r>
-                        <a:rPr lang="ko-KR" altLang="en-US" sz="1100" u="none" strike="noStrike" cap="none">
-                          <a:solidFill>
-                            <a:schemeClr val="dk1"/>
-                          </a:solidFill>
-                          <a:latin typeface="맑은 고딕" panose="020B0503020000020004" pitchFamily="50" charset="-127"/>
-                          <a:ea typeface="맑은 고딕" panose="020B0503020000020004" pitchFamily="50" charset="-127"/>
-                        </a:rPr>
-                        <a:t>이 되면 시스템의 약품 용량 검사 로직을 실행 시킨다</a:t>
-                      </a:r>
-                      <a:r>
-                        <a:rPr lang="en-US" altLang="ko-KR" sz="1100" u="none" strike="noStrike" cap="none">
-                          <a:solidFill>
-                            <a:schemeClr val="dk1"/>
-                          </a:solidFill>
-                          <a:latin typeface="맑은 고딕" panose="020B0503020000020004" pitchFamily="50" charset="-127"/>
-                          <a:ea typeface="맑은 고딕" panose="020B0503020000020004" pitchFamily="50" charset="-127"/>
+                        <a:rPr lang="ko-KR" altLang="en-US" sz="1100" u="none" strike="noStrike" cap="none" dirty="0">
+                          <a:solidFill>
+                            <a:schemeClr val="dk1"/>
+                          </a:solidFill>
+                          <a:latin typeface="맑은 고딕" panose="020B0503020000020004" pitchFamily="50" charset="-127"/>
+                          <a:ea typeface="맑은 고딕" panose="020B0503020000020004" pitchFamily="50" charset="-127"/>
+                        </a:rPr>
+                        <a:t>이 되면 </a:t>
+                      </a:r>
+                      <a:r>
+                        <a:rPr lang="ko-KR" altLang="en-US" sz="1100" u="none" strike="noStrike" cap="none" dirty="0">
+                          <a:solidFill>
+                            <a:schemeClr val="dk1"/>
+                          </a:solidFill>
+                          <a:latin typeface="맑은 고딕" panose="020B0503020000020004" pitchFamily="50" charset="-127"/>
+                          <a:ea typeface="+mn-ea"/>
+                        </a:rPr>
+                        <a:t>시스템에 존재하는 모든 약품을 대상으로 약품의 남은 양을 검사한다</a:t>
+                      </a:r>
+                      <a:r>
+                        <a:rPr lang="en-US" altLang="ko-KR" sz="1100" u="none" strike="noStrike" cap="none" dirty="0">
+                          <a:solidFill>
+                            <a:schemeClr val="dk1"/>
+                          </a:solidFill>
+                          <a:latin typeface="맑은 고딕" panose="020B0503020000020004" pitchFamily="50" charset="-127"/>
+                          <a:ea typeface="+mn-ea"/>
                         </a:rPr>
                         <a:t>. </a:t>
                       </a:r>
                       <a:r>
-                        <a:rPr lang="ko-KR" altLang="en-US" sz="1100" u="none" strike="noStrike" cap="none">
-                          <a:solidFill>
-                            <a:schemeClr val="dk1"/>
-                          </a:solidFill>
-                          <a:latin typeface="맑은 고딕" panose="020B0503020000020004" pitchFamily="50" charset="-127"/>
-                          <a:ea typeface="맑은 고딕" panose="020B0503020000020004" pitchFamily="50" charset="-127"/>
-                        </a:rPr>
-                        <a:t>로직이 실행되면 </a:t>
-                      </a:r>
-                      <a:endParaRPr lang="en-US" altLang="ko-KR" sz="1100" u="none" strike="noStrike" cap="none">
-                        <a:solidFill>
-                          <a:schemeClr val="dk1"/>
-                        </a:solidFill>
-                        <a:latin typeface="맑은 고딕" panose="020B0503020000020004" pitchFamily="50" charset="-127"/>
-                        <a:ea typeface="맑은 고딕" panose="020B0503020000020004" pitchFamily="50" charset="-127"/>
-                      </a:endParaRPr>
-                    </a:p>
-                    <a:p>
-                      <a:pPr marL="0" marR="0" lvl="0" indent="0" algn="just" rtl="0">
-                        <a:lnSpc>
-                          <a:spcPct val="150000"/>
-                        </a:lnSpc>
-                        <a:spcBef>
-                          <a:spcPts val="0"/>
-                        </a:spcBef>
-                        <a:spcAft>
-                          <a:spcPts val="0"/>
-                        </a:spcAft>
-                        <a:buClr>
-                          <a:schemeClr val="dk1"/>
-                        </a:buClr>
-                        <a:buSzPts val="1100"/>
-                        <a:buFont typeface="Arial"/>
-                        <a:buNone/>
-                      </a:pPr>
-                      <a:r>
-                        <a:rPr lang="en-US" altLang="ko-KR" sz="1100" u="none" strike="noStrike" cap="none">
-                          <a:solidFill>
-                            <a:schemeClr val="dk1"/>
-                          </a:solidFill>
-                          <a:latin typeface="맑은 고딕" panose="020B0503020000020004" pitchFamily="50" charset="-127"/>
-                          <a:ea typeface="맑은 고딕" panose="020B0503020000020004" pitchFamily="50" charset="-127"/>
-                        </a:rPr>
-                        <a:t>        </a:t>
-                      </a:r>
-                      <a:r>
-                        <a:rPr lang="ko-KR" altLang="en-US" sz="1100" u="none" strike="noStrike" cap="none">
-                          <a:solidFill>
-                            <a:srgbClr val="0432FF"/>
-                          </a:solidFill>
-                          <a:latin typeface="맑은 고딕" panose="020B0503020000020004" pitchFamily="50" charset="-127"/>
-                          <a:ea typeface="맑은 고딕" panose="020B0503020000020004" pitchFamily="50" charset="-127"/>
+                        <a:rPr lang="ko-KR" altLang="en-US" sz="1100" u="none" strike="noStrike" cap="none" dirty="0">
+                          <a:solidFill>
+                            <a:schemeClr val="dk1"/>
+                          </a:solidFill>
+                          <a:latin typeface="맑은 고딕" panose="020B0503020000020004" pitchFamily="50" charset="-127"/>
+                          <a:ea typeface="+mn-ea"/>
                         </a:rPr>
                         <a:t>시스템은 </a:t>
                       </a:r>
                       <a:r>
-                        <a:rPr lang="ko-KR" altLang="en-US" sz="1100" u="none" strike="noStrike" cap="none">
-                          <a:solidFill>
-                            <a:schemeClr val="dk1"/>
-                          </a:solidFill>
-                          <a:latin typeface="맑은 고딕" panose="020B0503020000020004" pitchFamily="50" charset="-127"/>
-                          <a:ea typeface="맑은 고딕" panose="020B0503020000020004" pitchFamily="50" charset="-127"/>
-                        </a:rPr>
-                        <a:t>시스템에 존재하는 모든 약품을 대상으로 약품의 총 용량과 현재 용량을 비교하여 남아있는 비율을     </a:t>
-                      </a:r>
-                      <a:endParaRPr lang="en-US" altLang="ko-KR" sz="1100" u="none" strike="noStrike" cap="none">
-                        <a:solidFill>
-                          <a:schemeClr val="dk1"/>
-                        </a:solidFill>
-                        <a:latin typeface="맑은 고딕" panose="020B0503020000020004" pitchFamily="50" charset="-127"/>
-                        <a:ea typeface="맑은 고딕" panose="020B0503020000020004" pitchFamily="50" charset="-127"/>
-                      </a:endParaRPr>
-                    </a:p>
-                    <a:p>
-                      <a:pPr marL="0" marR="0" lvl="0" indent="0" algn="just" rtl="0">
-                        <a:lnSpc>
-                          <a:spcPct val="150000"/>
-                        </a:lnSpc>
-                        <a:spcBef>
-                          <a:spcPts val="0"/>
-                        </a:spcBef>
-                        <a:spcAft>
-                          <a:spcPts val="0"/>
-                        </a:spcAft>
-                        <a:buClr>
-                          <a:schemeClr val="dk1"/>
-                        </a:buClr>
-                        <a:buSzPts val="1100"/>
-                        <a:buFont typeface="Arial"/>
-                        <a:buNone/>
-                      </a:pPr>
-                      <a:r>
-                        <a:rPr lang="en-US" altLang="ko-KR" sz="1100" u="none" strike="noStrike" cap="none">
-                          <a:solidFill>
-                            <a:schemeClr val="dk1"/>
-                          </a:solidFill>
-                          <a:latin typeface="맑은 고딕" panose="020B0503020000020004" pitchFamily="50" charset="-127"/>
-                          <a:ea typeface="맑은 고딕" panose="020B0503020000020004" pitchFamily="50" charset="-127"/>
-                        </a:rPr>
-                        <a:t>        </a:t>
-                      </a:r>
-                      <a:r>
-                        <a:rPr lang="ko-KR" altLang="en-US" sz="1100" u="none" strike="noStrike" cap="none">
-                          <a:solidFill>
-                            <a:schemeClr val="dk1"/>
-                          </a:solidFill>
-                          <a:latin typeface="맑은 고딕" panose="020B0503020000020004" pitchFamily="50" charset="-127"/>
-                          <a:ea typeface="맑은 고딕" panose="020B0503020000020004" pitchFamily="50" charset="-127"/>
-                        </a:rPr>
-                        <a:t>검사한다</a:t>
-                      </a:r>
-                      <a:r>
-                        <a:rPr lang="en-US" altLang="ko-KR" sz="1100" u="none" strike="noStrike" cap="none">
-                          <a:solidFill>
-                            <a:schemeClr val="dk1"/>
-                          </a:solidFill>
-                          <a:latin typeface="맑은 고딕" panose="020B0503020000020004" pitchFamily="50" charset="-127"/>
-                          <a:ea typeface="맑은 고딕" panose="020B0503020000020004" pitchFamily="50" charset="-127"/>
-                        </a:rPr>
-                        <a:t>.</a:t>
-                      </a:r>
-                      <a:r>
-                        <a:rPr lang="en-US" altLang="ko-KR" sz="1100" u="none" strike="noStrike" cap="none">
+                        <a:rPr lang="ko-KR" altLang="en-US" sz="1100" b="0" i="0" u="none" strike="noStrike" cap="none" dirty="0">
+                          <a:solidFill>
+                            <a:srgbClr val="000000"/>
+                          </a:solidFill>
+                          <a:latin typeface="Malgun Gothic"/>
+                          <a:ea typeface="Malgun Gothic"/>
+                          <a:cs typeface="Malgun Gothic"/>
+                          <a:sym typeface="Malgun Gothic"/>
+                        </a:rPr>
+                        <a:t>약품의 현재 남아있는 양이 </a:t>
+                      </a:r>
+                      <a:r>
+                        <a:rPr lang="en-US" altLang="ko-KR" sz="1100" b="0" i="0" u="none" strike="noStrike" cap="none" dirty="0">
+                          <a:solidFill>
+                            <a:srgbClr val="000000"/>
+                          </a:solidFill>
+                          <a:latin typeface="Malgun Gothic"/>
+                          <a:ea typeface="Malgun Gothic"/>
+                          <a:cs typeface="Malgun Gothic"/>
+                          <a:sym typeface="Malgun Gothic"/>
+                        </a:rPr>
+                        <a:t>20% </a:t>
+                      </a:r>
+                      <a:r>
+                        <a:rPr lang="ko-KR" altLang="en-US" sz="1100" b="0" i="0" u="none" strike="noStrike" cap="none" dirty="0">
+                          <a:solidFill>
+                            <a:srgbClr val="000000"/>
+                          </a:solidFill>
+                          <a:latin typeface="Malgun Gothic"/>
+                          <a:ea typeface="Malgun Gothic"/>
+                          <a:cs typeface="Malgun Gothic"/>
+                          <a:sym typeface="Malgun Gothic"/>
+                        </a:rPr>
+                        <a:t>미만인 경우 해당 약품의 이름을 재고소진 리스트에 추가한다</a:t>
+                      </a:r>
+                      <a:r>
+                        <a:rPr lang="en-US" altLang="ko-KR" sz="1100" b="0" i="0" u="none" strike="noStrike" cap="none" dirty="0">
+                          <a:solidFill>
+                            <a:srgbClr val="000000"/>
+                          </a:solidFill>
+                          <a:latin typeface="Malgun Gothic"/>
+                          <a:ea typeface="Malgun Gothic"/>
+                          <a:cs typeface="Malgun Gothic"/>
+                          <a:sym typeface="Malgun Gothic"/>
+                        </a:rPr>
+                        <a:t>. </a:t>
+                      </a:r>
+                      <a:r>
+                        <a:rPr lang="ko-KR" altLang="en-US" sz="1100" u="none" strike="noStrike" cap="none" dirty="0">
+                          <a:solidFill>
+                            <a:srgbClr val="0000FF"/>
+                          </a:solidFill>
+                          <a:latin typeface="Malgun Gothic"/>
+                          <a:ea typeface="Malgun Gothic"/>
+                          <a:cs typeface="Malgun Gothic"/>
+                          <a:sym typeface="Malgun Gothic"/>
+                        </a:rPr>
+                        <a:t>시스템은 </a:t>
+                      </a:r>
+                      <a:r>
+                        <a:rPr lang="ko-KR" altLang="en-US" sz="1100" b="0" i="0" u="none" strike="noStrike" cap="none" dirty="0">
+                          <a:solidFill>
+                            <a:srgbClr val="000000"/>
+                          </a:solidFill>
+                          <a:latin typeface="Malgun Gothic"/>
+                          <a:ea typeface="Malgun Gothic"/>
+                          <a:cs typeface="Malgun Gothic"/>
+                          <a:sym typeface="Malgun Gothic"/>
+                        </a:rPr>
+                        <a:t>모든 약품에 대해 확인이 끝나면 </a:t>
+                      </a:r>
+                      <a:r>
+                        <a:rPr lang="ko-KR" altLang="en-US" sz="1100" u="none" strike="noStrike" cap="none" dirty="0">
+                          <a:latin typeface="Malgun Gothic"/>
+                          <a:ea typeface="Malgun Gothic"/>
+                          <a:cs typeface="Malgun Gothic"/>
+                          <a:sym typeface="Malgun Gothic"/>
+                        </a:rPr>
+                        <a:t>리스트에 추가된 약품들에 대해 </a:t>
+                      </a:r>
+                      <a:r>
+                        <a:rPr lang="en-US" altLang="ko-KR" sz="1100" u="none" strike="noStrike" cap="none" dirty="0">
+                          <a:latin typeface="Malgun Gothic"/>
+                          <a:ea typeface="Malgun Gothic"/>
+                          <a:cs typeface="Malgun Gothic"/>
+                          <a:sym typeface="Malgun Gothic"/>
+                        </a:rPr>
+                        <a:t>my Lab</a:t>
+                      </a:r>
+                      <a:r>
+                        <a:rPr lang="ko-KR" altLang="en-US" sz="1100" u="none" strike="noStrike" cap="none" dirty="0">
+                          <a:latin typeface="Malgun Gothic"/>
+                          <a:ea typeface="Malgun Gothic"/>
+                          <a:cs typeface="Malgun Gothic"/>
+                          <a:sym typeface="Malgun Gothic"/>
+                        </a:rPr>
+                        <a:t>의 모든 멤버들에게 </a:t>
+                      </a:r>
+                      <a:r>
+                        <a:rPr lang="ko-KR" altLang="en-US" sz="1100" b="0" i="0" u="none" strike="noStrike" cap="none" dirty="0">
+                          <a:solidFill>
+                            <a:srgbClr val="000000"/>
+                          </a:solidFill>
+                          <a:latin typeface="Malgun Gothic"/>
+                          <a:ea typeface="Malgun Gothic"/>
+                          <a:cs typeface="Malgun Gothic"/>
+                          <a:sym typeface="Malgun Gothic"/>
+                        </a:rPr>
+                        <a:t>“</a:t>
+                      </a:r>
+                      <a:r>
+                        <a:rPr lang="en-US" altLang="ko-KR" sz="1100" b="0" i="0" u="none" strike="noStrike" cap="none" dirty="0">
+                          <a:solidFill>
+                            <a:srgbClr val="000000"/>
+                          </a:solidFill>
+                          <a:latin typeface="Malgun Gothic"/>
+                          <a:ea typeface="Malgun Gothic"/>
+                          <a:cs typeface="Malgun Gothic"/>
+                          <a:sym typeface="Malgun Gothic"/>
+                        </a:rPr>
+                        <a:t>(</a:t>
+                      </a:r>
+                      <a:r>
+                        <a:rPr lang="ko-KR" altLang="en-US" sz="1100" b="0" i="0" u="none" strike="noStrike" cap="none" dirty="0">
+                          <a:solidFill>
+                            <a:srgbClr val="000000"/>
+                          </a:solidFill>
+                          <a:latin typeface="Malgun Gothic"/>
+                          <a:ea typeface="Malgun Gothic"/>
+                          <a:cs typeface="Malgun Gothic"/>
+                          <a:sym typeface="Malgun Gothic"/>
+                        </a:rPr>
+                        <a:t>약품이름</a:t>
+                      </a:r>
+                      <a:r>
+                        <a:rPr lang="en-US" altLang="ko-KR" sz="1100" b="0" i="0" u="none" strike="noStrike" cap="none" dirty="0">
+                          <a:solidFill>
+                            <a:srgbClr val="000000"/>
+                          </a:solidFill>
+                          <a:latin typeface="Malgun Gothic"/>
+                          <a:ea typeface="Malgun Gothic"/>
+                          <a:cs typeface="Malgun Gothic"/>
+                          <a:sym typeface="Malgun Gothic"/>
+                        </a:rPr>
+                        <a:t>)</a:t>
+                      </a:r>
+                      <a:r>
+                        <a:rPr lang="ko-KR" altLang="en-US" sz="1100" b="0" i="0" u="none" strike="noStrike" cap="none" dirty="0">
+                          <a:solidFill>
+                            <a:srgbClr val="000000"/>
+                          </a:solidFill>
+                          <a:latin typeface="Malgun Gothic"/>
+                          <a:ea typeface="Malgun Gothic"/>
+                          <a:cs typeface="Malgun Gothic"/>
+                          <a:sym typeface="Malgun Gothic"/>
+                        </a:rPr>
+                        <a:t>이 얼마 남지 않았습니다</a:t>
+                      </a:r>
+                      <a:r>
+                        <a:rPr lang="en-US" altLang="ko-KR" sz="1100" b="0" i="0" u="none" strike="noStrike" cap="none" dirty="0">
+                          <a:solidFill>
+                            <a:srgbClr val="000000"/>
+                          </a:solidFill>
+                          <a:latin typeface="Malgun Gothic"/>
+                          <a:ea typeface="Malgun Gothic"/>
+                          <a:cs typeface="Malgun Gothic"/>
+                          <a:sym typeface="Malgun Gothic"/>
+                        </a:rPr>
+                        <a:t>.”</a:t>
+                      </a:r>
+                      <a:r>
+                        <a:rPr lang="ko-KR" altLang="en-US" sz="1100" u="none" strike="noStrike" cap="none" dirty="0">
+                          <a:solidFill>
+                            <a:schemeClr val="dk1"/>
+                          </a:solidFill>
+                          <a:latin typeface="맑은 고딕" panose="020B0503020000020004" pitchFamily="50" charset="-127"/>
+                          <a:ea typeface="+mn-ea"/>
+                        </a:rPr>
+                        <a:t> 라는 알림을 보낸다</a:t>
+                      </a:r>
+                      <a:r>
+                        <a:rPr lang="en-US" altLang="ko-KR" sz="1100" u="none" strike="noStrike" cap="none" dirty="0">
+                          <a:solidFill>
+                            <a:schemeClr val="dk1"/>
+                          </a:solidFill>
+                          <a:latin typeface="맑은 고딕" panose="020B0503020000020004" pitchFamily="50" charset="-127"/>
+                          <a:ea typeface="+mn-ea"/>
+                        </a:rPr>
+                        <a:t>. </a:t>
+                      </a:r>
+                      <a:r>
+                        <a:rPr lang="en-US" altLang="ko-KR" sz="1100" u="none" strike="noStrike" cap="none" dirty="0">
+                          <a:solidFill>
+                            <a:srgbClr val="0E0EFF"/>
+                          </a:solidFill>
+                          <a:latin typeface="맑은 고딕" panose="020B0503020000020004" pitchFamily="50" charset="-127"/>
+                          <a:ea typeface="+mn-ea"/>
+                        </a:rPr>
+                        <a:t>my Lab </a:t>
+                      </a:r>
+                      <a:r>
+                        <a:rPr lang="ko-KR" altLang="en-US" sz="1100" u="none" strike="noStrike" cap="none" dirty="0">
+                          <a:solidFill>
+                            <a:srgbClr val="0E0EFF"/>
+                          </a:solidFill>
+                          <a:latin typeface="맑은 고딕" panose="020B0503020000020004" pitchFamily="50" charset="-127"/>
+                          <a:ea typeface="+mn-ea"/>
+                        </a:rPr>
+                        <a:t>멤버</a:t>
+                      </a:r>
+                      <a:r>
+                        <a:rPr lang="ko-KR" altLang="en-US" sz="1100" u="none" strike="noStrike" cap="none" dirty="0">
+                          <a:solidFill>
+                            <a:schemeClr val="dk1"/>
+                          </a:solidFill>
+                          <a:latin typeface="맑은 고딕" panose="020B0503020000020004" pitchFamily="50" charset="-127"/>
+                          <a:ea typeface="+mn-ea"/>
+                        </a:rPr>
+                        <a:t>가 약품명을 클릭하면</a:t>
+                      </a:r>
+                      <a:r>
+                        <a:rPr lang="en-US" altLang="ko-KR" sz="1100" u="none" strike="noStrike" cap="none" dirty="0">
+                          <a:solidFill>
+                            <a:schemeClr val="dk1"/>
+                          </a:solidFill>
+                          <a:latin typeface="맑은 고딕" panose="020B0503020000020004" pitchFamily="50" charset="-127"/>
+                          <a:ea typeface="+mn-ea"/>
+                        </a:rPr>
+                        <a:t>, </a:t>
+                      </a:r>
+                      <a:r>
+                        <a:rPr lang="ko-KR" altLang="en-US" sz="1100" u="none" strike="noStrike" cap="none" dirty="0">
+                          <a:solidFill>
+                            <a:schemeClr val="dk1"/>
+                          </a:solidFill>
+                          <a:latin typeface="맑은 고딕" panose="020B0503020000020004" pitchFamily="50" charset="-127"/>
+                          <a:ea typeface="+mn-ea"/>
+                        </a:rPr>
+                        <a:t>약품 정보창으로 이동한 후</a:t>
+                      </a:r>
+                      <a:r>
+                        <a:rPr lang="en-US" altLang="ko-KR" sz="1100" u="none" strike="noStrike" cap="none" dirty="0">
+                          <a:solidFill>
+                            <a:schemeClr val="dk1"/>
+                          </a:solidFill>
+                          <a:latin typeface="맑은 고딕" panose="020B0503020000020004" pitchFamily="50" charset="-127"/>
+                          <a:ea typeface="+mn-ea"/>
+                        </a:rPr>
+                        <a:t>,</a:t>
+                      </a:r>
+                      <a:r>
+                        <a:rPr lang="ko-KR" altLang="en-US" sz="1100" u="none" strike="noStrike" cap="none" dirty="0">
+                          <a:solidFill>
+                            <a:schemeClr val="dk1"/>
+                          </a:solidFill>
+                          <a:latin typeface="맑은 고딕" panose="020B0503020000020004" pitchFamily="50" charset="-127"/>
+                          <a:ea typeface="+mn-ea"/>
+                        </a:rPr>
+                        <a:t> </a:t>
+                      </a:r>
+                      <a:r>
+                        <a:rPr lang="ko-KR" altLang="en-US" sz="1100" u="none" strike="noStrike" cap="none" dirty="0">
+                          <a:solidFill>
+                            <a:srgbClr val="0000FF"/>
+                          </a:solidFill>
+                          <a:latin typeface="맑은 고딕" panose="020B0503020000020004" pitchFamily="50" charset="-127"/>
+                          <a:ea typeface="+mn-ea"/>
+                        </a:rPr>
+                        <a:t>본 </a:t>
+                      </a:r>
+                      <a:r>
+                        <a:rPr lang="ko-KR" altLang="en-US" sz="1100" u="none" strike="noStrike" cap="none" dirty="0" err="1">
+                          <a:solidFill>
+                            <a:srgbClr val="0000FF"/>
+                          </a:solidFill>
+                          <a:latin typeface="맑은 고딕" panose="020B0503020000020004" pitchFamily="50" charset="-127"/>
+                          <a:ea typeface="+mn-ea"/>
+                        </a:rPr>
+                        <a:t>유스케이스를</a:t>
+                      </a:r>
+                      <a:r>
+                        <a:rPr lang="ko-KR" altLang="en-US" sz="1100" u="none" strike="noStrike" cap="none" dirty="0">
+                          <a:solidFill>
+                            <a:srgbClr val="0000FF"/>
+                          </a:solidFill>
+                          <a:latin typeface="맑은 고딕" panose="020B0503020000020004" pitchFamily="50" charset="-127"/>
+                          <a:ea typeface="+mn-ea"/>
+                        </a:rPr>
+                        <a:t> 종료한다</a:t>
+                      </a:r>
+                      <a:r>
+                        <a:rPr lang="en-US" altLang="ko-KR" sz="1100" u="none" strike="noStrike" cap="none" dirty="0">
+                          <a:solidFill>
+                            <a:srgbClr val="0000FF"/>
+                          </a:solidFill>
+                          <a:latin typeface="맑은 고딕" panose="020B0503020000020004" pitchFamily="50" charset="-127"/>
+                          <a:ea typeface="+mn-ea"/>
+                        </a:rPr>
+                        <a:t>. </a:t>
+                      </a:r>
+                      <a:r>
+                        <a:rPr lang="en-US" altLang="ko-KR" sz="1100" u="none" strike="noStrike" cap="none" dirty="0">
                           <a:solidFill>
                             <a:srgbClr val="FF0000"/>
                           </a:solidFill>
                           <a:latin typeface="맑은 고딕" panose="020B0503020000020004" pitchFamily="50" charset="-127"/>
-                          <a:ea typeface="맑은 고딕" panose="020B0503020000020004" pitchFamily="50" charset="-127"/>
-                        </a:rPr>
-                        <a:t> </a:t>
-                      </a:r>
-                      <a:r>
-                        <a:rPr lang="ko-KR" altLang="en-US" sz="1100" u="none" strike="noStrike" cap="none">
-                          <a:solidFill>
-                            <a:srgbClr val="0432FF"/>
-                          </a:solidFill>
-                          <a:latin typeface="맑은 고딕" panose="020B0503020000020004" pitchFamily="50" charset="-127"/>
-                          <a:ea typeface="맑은 고딕" panose="020B0503020000020004" pitchFamily="50" charset="-127"/>
-                        </a:rPr>
-                        <a:t>시스템은</a:t>
-                      </a:r>
-                      <a:r>
-                        <a:rPr lang="ko-KR" altLang="en-US" sz="1100" u="none" strike="noStrike" cap="none">
-                          <a:solidFill>
-                            <a:schemeClr val="dk1"/>
-                          </a:solidFill>
-                          <a:latin typeface="맑은 고딕" panose="020B0503020000020004" pitchFamily="50" charset="-127"/>
-                          <a:ea typeface="맑은 고딕" panose="020B0503020000020004" pitchFamily="50" charset="-127"/>
-                        </a:rPr>
-                        <a:t> </a:t>
-                      </a:r>
-                      <a:r>
-                        <a:rPr lang="en-US" altLang="ko-KR" sz="1100" u="none" strike="noStrike" cap="none">
-                          <a:solidFill>
-                            <a:schemeClr val="dk1"/>
-                          </a:solidFill>
-                          <a:latin typeface="맑은 고딕" panose="020B0503020000020004" pitchFamily="50" charset="-127"/>
-                          <a:ea typeface="맑은 고딕" panose="020B0503020000020004" pitchFamily="50" charset="-127"/>
-                        </a:rPr>
-                        <a:t>my Lab</a:t>
-                      </a:r>
-                      <a:r>
-                        <a:rPr lang="ko-KR" altLang="en-US" sz="1100" u="none" strike="noStrike" cap="none">
-                          <a:solidFill>
-                            <a:schemeClr val="dk1"/>
-                          </a:solidFill>
-                          <a:latin typeface="맑은 고딕" panose="020B0503020000020004" pitchFamily="50" charset="-127"/>
-                          <a:ea typeface="맑은 고딕" panose="020B0503020000020004" pitchFamily="50" charset="-127"/>
-                        </a:rPr>
-                        <a:t>의 모든 멤버들에게 약품의</a:t>
-                      </a:r>
-                      <a:r>
-                        <a:rPr lang="en-US" altLang="ko-KR" sz="1100" u="none" strike="noStrike" cap="none">
-                          <a:solidFill>
-                            <a:schemeClr val="dk1"/>
-                          </a:solidFill>
-                          <a:latin typeface="맑은 고딕" panose="020B0503020000020004" pitchFamily="50" charset="-127"/>
-                          <a:ea typeface="맑은 고딕" panose="020B0503020000020004" pitchFamily="50" charset="-127"/>
-                        </a:rPr>
-                        <a:t> </a:t>
-                      </a:r>
-                      <a:r>
-                        <a:rPr lang="ko-KR" altLang="en-US" sz="1100" u="none" strike="noStrike" cap="none">
-                          <a:solidFill>
-                            <a:schemeClr val="dk1"/>
-                          </a:solidFill>
-                          <a:latin typeface="맑은 고딕" panose="020B0503020000020004" pitchFamily="50" charset="-127"/>
-                          <a:ea typeface="맑은 고딕" panose="020B0503020000020004" pitchFamily="50" charset="-127"/>
-                        </a:rPr>
-                        <a:t>재고 소진 알림을 보낸다</a:t>
-                      </a:r>
-                      <a:r>
-                        <a:rPr lang="en-US" altLang="ko-KR" sz="1100" u="none" strike="noStrike" cap="none">
-                          <a:solidFill>
-                            <a:schemeClr val="dk1"/>
-                          </a:solidFill>
-                          <a:latin typeface="맑은 고딕" panose="020B0503020000020004" pitchFamily="50" charset="-127"/>
-                          <a:ea typeface="맑은 고딕" panose="020B0503020000020004" pitchFamily="50" charset="-127"/>
-                        </a:rPr>
-                        <a:t>. </a:t>
-                      </a:r>
-                      <a:r>
-                        <a:rPr lang="ko-KR" altLang="en-US" sz="1100" u="none" strike="noStrike" cap="none">
-                          <a:solidFill>
-                            <a:schemeClr val="dk1"/>
-                          </a:solidFill>
-                          <a:latin typeface="맑은 고딕" panose="020B0503020000020004" pitchFamily="50" charset="-127"/>
-                          <a:ea typeface="맑은 고딕" panose="020B0503020000020004" pitchFamily="50" charset="-127"/>
-                        </a:rPr>
-                        <a:t>재고를 모두 소진했을 경우</a:t>
-                      </a:r>
-                      <a:endParaRPr lang="en-US" altLang="ko-KR" sz="1100" u="none" strike="noStrike" cap="none">
-                        <a:solidFill>
-                          <a:schemeClr val="dk1"/>
-                        </a:solidFill>
-                        <a:latin typeface="맑은 고딕" panose="020B0503020000020004" pitchFamily="50" charset="-127"/>
-                        <a:ea typeface="맑은 고딕" panose="020B0503020000020004" pitchFamily="50" charset="-127"/>
-                      </a:endParaRPr>
-                    </a:p>
-                    <a:p>
-                      <a:pPr marL="0" marR="0" lvl="0" indent="0" algn="just" rtl="0">
-                        <a:lnSpc>
-                          <a:spcPct val="150000"/>
-                        </a:lnSpc>
-                        <a:spcBef>
-                          <a:spcPts val="0"/>
-                        </a:spcBef>
-                        <a:spcAft>
-                          <a:spcPts val="0"/>
-                        </a:spcAft>
-                        <a:buClr>
-                          <a:schemeClr val="dk1"/>
-                        </a:buClr>
-                        <a:buSzPts val="1100"/>
-                        <a:buFont typeface="Arial"/>
-                        <a:buNone/>
-                      </a:pPr>
-                      <a:r>
-                        <a:rPr lang="ko-KR" altLang="en-US" sz="1100" u="none" strike="noStrike" cap="none">
-                          <a:solidFill>
-                            <a:schemeClr val="dk1"/>
-                          </a:solidFill>
-                          <a:latin typeface="맑은 고딕" panose="020B0503020000020004" pitchFamily="50" charset="-127"/>
-                          <a:ea typeface="맑은 고딕" panose="020B0503020000020004" pitchFamily="50" charset="-127"/>
-                        </a:rPr>
-                        <a:t>       </a:t>
-                      </a:r>
-                      <a:r>
-                        <a:rPr lang="ko-KR" altLang="en-US" sz="1100" u="none" strike="noStrike" cap="none">
-                          <a:solidFill>
-                            <a:srgbClr val="0000FF"/>
-                          </a:solidFill>
-                          <a:latin typeface="맑은 고딕" panose="020B0503020000020004" pitchFamily="50" charset="-127"/>
-                          <a:ea typeface="맑은 고딕" panose="020B0503020000020004" pitchFamily="50" charset="-127"/>
-                        </a:rPr>
-                        <a:t>시스템은</a:t>
-                      </a:r>
-                      <a:r>
-                        <a:rPr lang="en-US" altLang="ko-KR" sz="1100" u="none" strike="noStrike" cap="none">
-                          <a:solidFill>
-                            <a:srgbClr val="0000FF"/>
-                          </a:solidFill>
-                          <a:latin typeface="맑은 고딕" panose="020B0503020000020004" pitchFamily="50" charset="-127"/>
-                          <a:ea typeface="맑은 고딕" panose="020B0503020000020004" pitchFamily="50" charset="-127"/>
-                        </a:rPr>
-                        <a:t> </a:t>
-                      </a:r>
-                      <a:r>
-                        <a:rPr lang="en-US" altLang="ko-KR" sz="1100" u="none" strike="noStrike" cap="none">
-                          <a:solidFill>
-                            <a:schemeClr val="dk1"/>
-                          </a:solidFill>
-                          <a:latin typeface="맑은 고딕" panose="020B0503020000020004" pitchFamily="50" charset="-127"/>
-                          <a:ea typeface="맑은 고딕" panose="020B0503020000020004" pitchFamily="50" charset="-127"/>
-                        </a:rPr>
-                        <a:t>my Lab</a:t>
-                      </a:r>
-                      <a:r>
-                        <a:rPr lang="ko-KR" altLang="en-US" sz="1100" u="none" strike="noStrike" cap="none">
-                          <a:solidFill>
-                            <a:schemeClr val="dk1"/>
-                          </a:solidFill>
-                          <a:latin typeface="맑은 고딕" panose="020B0503020000020004" pitchFamily="50" charset="-127"/>
-                          <a:ea typeface="맑은 고딕" panose="020B0503020000020004" pitchFamily="50" charset="-127"/>
-                        </a:rPr>
-                        <a:t>의 모든 멤버에게 재고 소진했다는 알림을 보낸다</a:t>
-                      </a:r>
-                      <a:r>
-                        <a:rPr lang="en-US" altLang="ko-KR" sz="1100" u="none" strike="noStrike" cap="none">
-                          <a:solidFill>
-                            <a:schemeClr val="dk1"/>
-                          </a:solidFill>
-                          <a:latin typeface="맑은 고딕" panose="020B0503020000020004" pitchFamily="50" charset="-127"/>
-                          <a:ea typeface="맑은 고딕" panose="020B0503020000020004" pitchFamily="50" charset="-127"/>
-                        </a:rPr>
-                        <a:t>. my Lab </a:t>
-                      </a:r>
-                      <a:r>
-                        <a:rPr lang="ko-KR" altLang="en-US" sz="1100" u="none" strike="noStrike" cap="none">
-                          <a:solidFill>
-                            <a:schemeClr val="dk1"/>
-                          </a:solidFill>
-                          <a:latin typeface="맑은 고딕" panose="020B0503020000020004" pitchFamily="50" charset="-127"/>
-                          <a:ea typeface="맑은 고딕" panose="020B0503020000020004" pitchFamily="50" charset="-127"/>
-                        </a:rPr>
-                        <a:t>멤버가 약품명을 클릭하면 약품 정보        </a:t>
-                      </a:r>
-                      <a:endParaRPr lang="en-US" altLang="ko-KR" sz="1100" u="none" strike="noStrike" cap="none">
-                        <a:solidFill>
-                          <a:schemeClr val="dk1"/>
-                        </a:solidFill>
-                        <a:latin typeface="맑은 고딕" panose="020B0503020000020004" pitchFamily="50" charset="-127"/>
-                        <a:ea typeface="맑은 고딕" panose="020B0503020000020004" pitchFamily="50" charset="-127"/>
-                      </a:endParaRPr>
-                    </a:p>
-                    <a:p>
-                      <a:pPr marL="0" marR="0" lvl="0" indent="0" algn="just" rtl="0">
-                        <a:lnSpc>
-                          <a:spcPct val="150000"/>
-                        </a:lnSpc>
-                        <a:spcBef>
-                          <a:spcPts val="0"/>
-                        </a:spcBef>
-                        <a:spcAft>
-                          <a:spcPts val="0"/>
-                        </a:spcAft>
-                        <a:buClr>
-                          <a:schemeClr val="dk1"/>
-                        </a:buClr>
-                        <a:buSzPts val="1100"/>
-                        <a:buFont typeface="Arial"/>
-                        <a:buNone/>
-                      </a:pPr>
-                      <a:r>
-                        <a:rPr lang="en-US" altLang="ko-KR" sz="1100" u="none" strike="noStrike" cap="none">
-                          <a:solidFill>
-                            <a:schemeClr val="dk1"/>
-                          </a:solidFill>
-                          <a:latin typeface="맑은 고딕" panose="020B0503020000020004" pitchFamily="50" charset="-127"/>
-                          <a:ea typeface="맑은 고딕" panose="020B0503020000020004" pitchFamily="50" charset="-127"/>
-                        </a:rPr>
-                        <a:t>       </a:t>
-                      </a:r>
-                      <a:r>
-                        <a:rPr lang="ko-KR" altLang="en-US" sz="1100" u="none" strike="noStrike" cap="none">
-                          <a:solidFill>
-                            <a:schemeClr val="dk1"/>
-                          </a:solidFill>
-                          <a:latin typeface="맑은 고딕" panose="020B0503020000020004" pitchFamily="50" charset="-127"/>
-                          <a:ea typeface="맑은 고딕" panose="020B0503020000020004" pitchFamily="50" charset="-127"/>
-                        </a:rPr>
-                        <a:t>창으로 이동한 후 </a:t>
-                      </a:r>
-                      <a:r>
-                        <a:rPr lang="ko-KR" altLang="en-US" sz="1100" u="none" strike="noStrike" cap="none">
-                          <a:solidFill>
-                            <a:srgbClr val="0000FF"/>
-                          </a:solidFill>
-                          <a:latin typeface="맑은 고딕" panose="020B0503020000020004" pitchFamily="50" charset="-127"/>
-                          <a:ea typeface="맑은 고딕" panose="020B0503020000020004" pitchFamily="50" charset="-127"/>
-                        </a:rPr>
-                        <a:t>본 유스케이스를 종료한다</a:t>
-                      </a:r>
-                      <a:r>
-                        <a:rPr lang="en-US" altLang="ko-KR" sz="1100" u="none" strike="noStrike" cap="none">
-                          <a:solidFill>
-                            <a:srgbClr val="0000FF"/>
-                          </a:solidFill>
-                          <a:latin typeface="맑은 고딕" panose="020B0503020000020004" pitchFamily="50" charset="-127"/>
-                          <a:ea typeface="맑은 고딕" panose="020B0503020000020004" pitchFamily="50" charset="-127"/>
-                        </a:rPr>
-                        <a:t>. </a:t>
-                      </a:r>
-                      <a:r>
-                        <a:rPr lang="en-US" altLang="ko-KR" sz="1100" u="none" strike="noStrike" cap="none">
-                          <a:solidFill>
-                            <a:srgbClr val="FF0000"/>
-                          </a:solidFill>
-                          <a:latin typeface="맑은 고딕" panose="020B0503020000020004" pitchFamily="50" charset="-127"/>
-                          <a:ea typeface="맑은 고딕" panose="020B0503020000020004" pitchFamily="50" charset="-127"/>
+                          <a:ea typeface="+mn-ea"/>
                         </a:rPr>
                         <a:t>(AF1)</a:t>
                       </a:r>
-                      <a:endParaRPr lang="ko-KR" altLang="en-US" sz="1100" u="none" strike="noStrike" cap="none">
+                      <a:endParaRPr lang="ko-KR" altLang="en-US" sz="1100" u="none" strike="noStrike" cap="none" dirty="0">
                         <a:solidFill>
                           <a:srgbClr val="0000FF"/>
                         </a:solidFill>
@@ -9443,7 +9365,7 @@
                         <a:buFont typeface="Arial"/>
                         <a:buNone/>
                       </a:pPr>
-                      <a:endParaRPr lang="en-US" altLang="ko-KR" sz="1100" u="none" strike="noStrike" cap="none">
+                      <a:endParaRPr lang="en-US" altLang="ko-KR" sz="1100" u="none" strike="noStrike" cap="none" dirty="0">
                         <a:solidFill>
                           <a:schemeClr val="dk1"/>
                         </a:solidFill>
@@ -9470,7 +9392,7 @@
                         <a:buNone/>
                       </a:pPr>
                       <a:r>
-                        <a:rPr lang="en-US" altLang="ko-KR" sz="1100" u="none" strike="noStrike" cap="none">
+                        <a:rPr lang="en-US" altLang="ko-KR" sz="1100" u="none" strike="noStrike" cap="none" dirty="0">
                           <a:solidFill>
                             <a:schemeClr val="dk1"/>
                           </a:solidFill>
@@ -9480,7 +9402,7 @@
                         <a:t>4. </a:t>
                       </a:r>
                       <a:r>
-                        <a:rPr lang="ko-KR" altLang="en-US" sz="1100" u="none" strike="noStrike" cap="none">
+                        <a:rPr lang="ko-KR" altLang="en-US" sz="1100" u="none" strike="noStrike" cap="none" dirty="0">
                           <a:solidFill>
                             <a:schemeClr val="dk1"/>
                           </a:solidFill>
@@ -9509,7 +9431,7 @@
                         <a:buNone/>
                       </a:pPr>
                       <a:r>
-                        <a:rPr lang="ko-KR" altLang="en-US" sz="1100" u="none" strike="noStrike" cap="none">
+                        <a:rPr lang="ko-KR" altLang="en-US" sz="1100" u="none" strike="noStrike" cap="none" dirty="0">
                           <a:solidFill>
                             <a:schemeClr val="dk1"/>
                           </a:solidFill>
@@ -9519,7 +9441,7 @@
                         <a:t>    </a:t>
                       </a:r>
                       <a:r>
-                        <a:rPr lang="en-US" altLang="ko-KR" sz="1100" u="none" strike="noStrike" cap="none">
+                        <a:rPr lang="en-US" altLang="ko-KR" sz="1100" u="none" strike="noStrike" cap="none" dirty="0">
                           <a:solidFill>
                             <a:schemeClr val="dk1"/>
                           </a:solidFill>
@@ -9529,7 +9451,7 @@
                         <a:t>4.1 </a:t>
                       </a:r>
                       <a:r>
-                        <a:rPr lang="ko-KR" altLang="en-US" sz="1100" u="none" strike="noStrike" cap="none">
+                        <a:rPr lang="ko-KR" altLang="en-US" sz="1100" u="none" strike="noStrike" cap="none" dirty="0">
                           <a:solidFill>
                             <a:schemeClr val="dk1"/>
                           </a:solidFill>
@@ -9558,7 +9480,7 @@
                         <a:buNone/>
                       </a:pPr>
                       <a:r>
-                        <a:rPr lang="ko-KR" altLang="en-US" sz="1100" u="none" strike="noStrike" cap="none">
+                        <a:rPr lang="ko-KR" altLang="en-US" sz="1100" u="none" strike="noStrike" cap="none" dirty="0">
                           <a:solidFill>
                             <a:schemeClr val="dk1"/>
                           </a:solidFill>
@@ -9568,7 +9490,7 @@
                         <a:t>        </a:t>
                       </a:r>
                       <a:r>
-                        <a:rPr lang="en-US" altLang="ko-KR" sz="1100">
+                        <a:rPr lang="en-US" altLang="ko-KR" sz="1100" dirty="0">
                           <a:solidFill>
                             <a:srgbClr val="0000FF"/>
                           </a:solidFill>
@@ -9578,7 +9500,7 @@
                         <a:t>System Clock</a:t>
                       </a:r>
                       <a:r>
-                        <a:rPr lang="ko-KR" altLang="en-US" sz="1100" u="none" strike="noStrike" cap="none">
+                        <a:rPr lang="ko-KR" altLang="en-US" sz="1100" u="none" strike="noStrike" cap="none" dirty="0">
                           <a:solidFill>
                             <a:srgbClr val="0432FF"/>
                           </a:solidFill>
@@ -9588,7 +9510,7 @@
                         <a:t>은 </a:t>
                       </a:r>
                       <a:r>
-                        <a:rPr lang="ko-KR" altLang="en-US" sz="1100" u="none" strike="noStrike" cap="none">
+                        <a:rPr lang="ko-KR" altLang="en-US" sz="1100" u="none" strike="noStrike" cap="none" dirty="0">
                           <a:solidFill>
                             <a:schemeClr val="dk1"/>
                           </a:solidFill>
@@ -9598,7 +9520,7 @@
                         <a:t>하루 중 지정된 시간 </a:t>
                       </a:r>
                       <a:r>
-                        <a:rPr lang="en-US" altLang="ko-KR" sz="1100" u="none" strike="noStrike" cap="none">
+                        <a:rPr lang="en-US" altLang="ko-KR" sz="1100" u="none" strike="noStrike" cap="none" dirty="0">
                           <a:solidFill>
                             <a:schemeClr val="dk1"/>
                           </a:solidFill>
@@ -9608,7 +9530,7 @@
                         <a:t>(09</a:t>
                       </a:r>
                       <a:r>
-                        <a:rPr lang="ko-KR" altLang="en-US" sz="1100" u="none" strike="noStrike" cap="none">
+                        <a:rPr lang="ko-KR" altLang="en-US" sz="1100" u="none" strike="noStrike" cap="none" dirty="0">
                           <a:solidFill>
                             <a:schemeClr val="dk1"/>
                           </a:solidFill>
@@ -9618,7 +9540,7 @@
                         <a:t>시</a:t>
                       </a:r>
                       <a:r>
-                        <a:rPr lang="en-US" altLang="ko-KR" sz="1100" u="none" strike="noStrike" cap="none">
+                        <a:rPr lang="en-US" altLang="ko-KR" sz="1100" u="none" strike="noStrike" cap="none" dirty="0">
                           <a:solidFill>
                             <a:schemeClr val="dk1"/>
                           </a:solidFill>
@@ -9628,42 +9550,294 @@
                         <a:t>)</a:t>
                       </a:r>
                       <a:r>
-                        <a:rPr lang="ko-KR" altLang="en-US" sz="1100" u="none" strike="noStrike" cap="none">
-                          <a:solidFill>
-                            <a:schemeClr val="dk1"/>
-                          </a:solidFill>
-                          <a:latin typeface="맑은 고딕" panose="020B0503020000020004" pitchFamily="50" charset="-127"/>
-                          <a:ea typeface="맑은 고딕" panose="020B0503020000020004" pitchFamily="50" charset="-127"/>
-                        </a:rPr>
-                        <a:t>이 되면 시스템의 질병 알림 로직을 실행 시켜준다</a:t>
-                      </a:r>
-                      <a:r>
-                        <a:rPr lang="en-US" altLang="ko-KR" sz="1100" u="none" strike="noStrike" cap="none">
-                          <a:solidFill>
-                            <a:schemeClr val="dk1"/>
-                          </a:solidFill>
-                          <a:latin typeface="맑은 고딕" panose="020B0503020000020004" pitchFamily="50" charset="-127"/>
-                          <a:ea typeface="맑은 고딕" panose="020B0503020000020004" pitchFamily="50" charset="-127"/>
+                        <a:rPr lang="ko-KR" altLang="en-US" sz="1100" u="none" strike="noStrike" cap="none" dirty="0">
+                          <a:solidFill>
+                            <a:schemeClr val="dk1"/>
+                          </a:solidFill>
+                          <a:latin typeface="맑은 고딕" panose="020B0503020000020004" pitchFamily="50" charset="-127"/>
+                          <a:ea typeface="맑은 고딕" panose="020B0503020000020004" pitchFamily="50" charset="-127"/>
+                        </a:rPr>
+                        <a:t>이 되면 </a:t>
+                      </a:r>
+                      <a:r>
+                        <a:rPr lang="ko-KR" altLang="en-US" sz="1100" u="none" strike="noStrike" cap="none" dirty="0">
+                          <a:solidFill>
+                            <a:schemeClr val="dk1"/>
+                          </a:solidFill>
+                          <a:latin typeface="맑은 고딕" panose="020B0503020000020004" pitchFamily="50" charset="-127"/>
+                          <a:ea typeface="+mn-ea"/>
+                        </a:rPr>
+                        <a:t>시스템에 존재하는 모든 약품을 대상으로 질병을 일으킬 수 있는 약품의 등록여부를 검사한다</a:t>
+                      </a:r>
+                      <a:r>
+                        <a:rPr lang="en-US" altLang="ko-KR" sz="1100" u="none" strike="noStrike" cap="none" dirty="0">
+                          <a:solidFill>
+                            <a:schemeClr val="dk1"/>
+                          </a:solidFill>
+                          <a:latin typeface="맑은 고딕" panose="020B0503020000020004" pitchFamily="50" charset="-127"/>
+                          <a:ea typeface="+mn-ea"/>
                         </a:rPr>
                         <a:t>. </a:t>
                       </a:r>
                       <a:r>
-                        <a:rPr lang="ko-KR" altLang="en-US" sz="1100" u="none" strike="noStrike" cap="none">
-                          <a:solidFill>
-                            <a:schemeClr val="dk1"/>
-                          </a:solidFill>
-                          <a:latin typeface="맑은 고딕" panose="020B0503020000020004" pitchFamily="50" charset="-127"/>
-                          <a:ea typeface="맑은 고딕" panose="020B0503020000020004" pitchFamily="50" charset="-127"/>
-                        </a:rPr>
-                        <a:t>로직이 실행되면</a:t>
-                      </a:r>
-                      <a:endParaRPr lang="en-US" altLang="ko-KR" sz="1100" u="none" strike="noStrike" cap="none">
-                        <a:solidFill>
+                        <a:rPr lang="ko-KR" altLang="en-US" sz="1100" u="none" strike="noStrike" cap="none" dirty="0">
+                          <a:solidFill>
+                            <a:schemeClr val="dk1"/>
+                          </a:solidFill>
+                          <a:latin typeface="맑은 고딕" panose="020B0503020000020004" pitchFamily="50" charset="-127"/>
+                          <a:ea typeface="맑은 고딕" panose="020B0503020000020004" pitchFamily="50" charset="-127"/>
+                        </a:rPr>
+                        <a:t>그러한 약품이 존재한다면 해당 약품을 대상으로 </a:t>
+                      </a:r>
+                      <a:r>
+                        <a:rPr lang="ko-KR" altLang="en-US" sz="1100" u="none" strike="noStrike" cap="none" dirty="0">
+                          <a:solidFill>
+                            <a:srgbClr val="0432FF"/>
+                          </a:solidFill>
+                          <a:latin typeface="맑은 고딕" panose="020B0503020000020004" pitchFamily="50" charset="-127"/>
+                          <a:ea typeface="맑은 고딕" panose="020B0503020000020004" pitchFamily="50" charset="-127"/>
+                        </a:rPr>
+                        <a:t>시스템은 </a:t>
+                      </a:r>
+                      <a:r>
+                        <a:rPr lang="ko-KR" altLang="en-US" sz="1100" u="none" strike="noStrike" cap="none" dirty="0">
+                          <a:solidFill>
+                            <a:schemeClr val="tx1"/>
+                          </a:solidFill>
+                          <a:latin typeface="맑은 고딕" panose="020B0503020000020004" pitchFamily="50" charset="-127"/>
+                          <a:ea typeface="맑은 고딕" panose="020B0503020000020004" pitchFamily="50" charset="-127"/>
+                        </a:rPr>
+                        <a:t>각</a:t>
+                      </a:r>
+                      <a:r>
+                        <a:rPr lang="ko-KR" altLang="en-US" sz="1100" u="none" strike="noStrike" cap="none" dirty="0">
+                          <a:solidFill>
+                            <a:srgbClr val="0432FF"/>
+                          </a:solidFill>
+                          <a:latin typeface="맑은 고딕" panose="020B0503020000020004" pitchFamily="50" charset="-127"/>
+                          <a:ea typeface="맑은 고딕" panose="020B0503020000020004" pitchFamily="50" charset="-127"/>
+                        </a:rPr>
+                        <a:t> </a:t>
+                      </a:r>
+                      <a:r>
+                        <a:rPr lang="en-US" altLang="ko-KR" sz="1100" u="none" strike="noStrike" cap="none" dirty="0">
+                          <a:solidFill>
+                            <a:schemeClr val="dk1"/>
+                          </a:solidFill>
+                          <a:latin typeface="맑은 고딕" panose="020B0503020000020004" pitchFamily="50" charset="-127"/>
+                          <a:ea typeface="맑은 고딕" panose="020B0503020000020004" pitchFamily="50" charset="-127"/>
+                        </a:rPr>
+                        <a:t>my Lab </a:t>
+                      </a:r>
+                      <a:r>
+                        <a:rPr lang="ko-KR" altLang="en-US" sz="1100" u="none" strike="noStrike" cap="none" dirty="0">
+                          <a:solidFill>
+                            <a:schemeClr val="dk1"/>
+                          </a:solidFill>
+                          <a:latin typeface="맑은 고딕" panose="020B0503020000020004" pitchFamily="50" charset="-127"/>
+                          <a:ea typeface="맑은 고딕" panose="020B0503020000020004" pitchFamily="50" charset="-127"/>
+                        </a:rPr>
+                        <a:t>멤버의 약품 사용 기간을 확인한다</a:t>
+                      </a:r>
+                      <a:r>
+                        <a:rPr lang="en-US" altLang="ko-KR" sz="1100" u="none" strike="noStrike" cap="none" dirty="0">
+                          <a:solidFill>
+                            <a:schemeClr val="dk1"/>
+                          </a:solidFill>
+                          <a:latin typeface="맑은 고딕" panose="020B0503020000020004" pitchFamily="50" charset="-127"/>
+                          <a:ea typeface="맑은 고딕" panose="020B0503020000020004" pitchFamily="50" charset="-127"/>
+                        </a:rPr>
+                        <a:t>. </a:t>
+                      </a:r>
+                      <a:r>
+                        <a:rPr lang="ko-KR" altLang="en-US" sz="1100" u="none" strike="noStrike" cap="none" dirty="0">
+                          <a:solidFill>
+                            <a:schemeClr val="dk1"/>
+                          </a:solidFill>
+                          <a:latin typeface="맑은 고딕" panose="020B0503020000020004" pitchFamily="50" charset="-127"/>
+                          <a:ea typeface="맑은 고딕" panose="020B0503020000020004" pitchFamily="50" charset="-127"/>
+                        </a:rPr>
+                        <a:t>이때</a:t>
+                      </a:r>
+                      <a:r>
+                        <a:rPr lang="en-US" altLang="ko-KR" sz="1100" u="none" strike="noStrike" cap="none" dirty="0">
+                          <a:solidFill>
+                            <a:schemeClr val="dk1"/>
+                          </a:solidFill>
+                          <a:latin typeface="맑은 고딕" panose="020B0503020000020004" pitchFamily="50" charset="-127"/>
+                          <a:ea typeface="맑은 고딕" panose="020B0503020000020004" pitchFamily="50" charset="-127"/>
+                        </a:rPr>
+                        <a:t>, </a:t>
+                      </a:r>
+                      <a:r>
+                        <a:rPr lang="ko-KR" altLang="en-US" sz="1100" u="none" strike="noStrike" cap="none" dirty="0">
+                          <a:solidFill>
+                            <a:schemeClr val="dk1"/>
+                          </a:solidFill>
+                          <a:latin typeface="맑은 고딕" panose="020B0503020000020004" pitchFamily="50" charset="-127"/>
+                          <a:ea typeface="맑은 고딕" panose="020B0503020000020004" pitchFamily="50" charset="-127"/>
+                        </a:rPr>
+                        <a:t>약품 사용기간은 다음과 같다</a:t>
+                      </a:r>
+                      <a:r>
+                        <a:rPr lang="en-US" altLang="ko-KR" sz="1100" u="none" strike="noStrike" cap="none" dirty="0">
+                          <a:solidFill>
+                            <a:schemeClr val="dk1"/>
+                          </a:solidFill>
+                          <a:latin typeface="맑은 고딕" panose="020B0503020000020004" pitchFamily="50" charset="-127"/>
+                          <a:ea typeface="맑은 고딕" panose="020B0503020000020004" pitchFamily="50" charset="-127"/>
+                        </a:rPr>
+                        <a:t>.</a:t>
+                      </a:r>
+                    </a:p>
+                    <a:p>
+                      <a:pPr marL="0" marR="0" lvl="0" indent="0" algn="ctr" rtl="0">
+                        <a:lnSpc>
+                          <a:spcPct val="150000"/>
+                        </a:lnSpc>
+                        <a:spcBef>
+                          <a:spcPts val="0"/>
+                        </a:spcBef>
+                        <a:spcAft>
+                          <a:spcPts val="0"/>
+                        </a:spcAft>
+                        <a:buClr>
                           <a:schemeClr val="dk1"/>
-                        </a:solidFill>
-                        <a:latin typeface="맑은 고딕" panose="020B0503020000020004" pitchFamily="50" charset="-127"/>
-                        <a:ea typeface="맑은 고딕" panose="020B0503020000020004" pitchFamily="50" charset="-127"/>
-                      </a:endParaRPr>
+                        </a:buClr>
+                        <a:buSzPts val="1100"/>
+                        <a:buFont typeface="Arial"/>
+                        <a:buNone/>
+                      </a:pPr>
+                      <a:r>
+                        <a:rPr lang="en-US" altLang="ko-KR" sz="1100" u="none" strike="noStrike" cap="none" dirty="0">
+                          <a:solidFill>
+                            <a:schemeClr val="dk1"/>
+                          </a:solidFill>
+                          <a:latin typeface="맑은 고딕" panose="020B0503020000020004" pitchFamily="50" charset="-127"/>
+                          <a:ea typeface="맑은 고딕" panose="020B0503020000020004" pitchFamily="50" charset="-127"/>
+                        </a:rPr>
+                        <a:t>(</a:t>
+                      </a:r>
+                      <a:r>
+                        <a:rPr lang="ko-KR" altLang="en-US" sz="1100" u="none" strike="noStrike" cap="none" dirty="0">
+                          <a:solidFill>
+                            <a:schemeClr val="dk1"/>
+                          </a:solidFill>
+                          <a:latin typeface="맑은 고딕" panose="020B0503020000020004" pitchFamily="50" charset="-127"/>
+                          <a:ea typeface="맑은 고딕" panose="020B0503020000020004" pitchFamily="50" charset="-127"/>
+                        </a:rPr>
+                        <a:t>현재 날짜</a:t>
+                      </a:r>
+                      <a:r>
+                        <a:rPr lang="en-US" altLang="ko-KR" sz="1100" u="none" strike="noStrike" cap="none" dirty="0">
+                          <a:solidFill>
+                            <a:schemeClr val="dk1"/>
+                          </a:solidFill>
+                          <a:latin typeface="맑은 고딕" panose="020B0503020000020004" pitchFamily="50" charset="-127"/>
+                          <a:ea typeface="맑은 고딕" panose="020B0503020000020004" pitchFamily="50" charset="-127"/>
+                        </a:rPr>
+                        <a:t>) – (</a:t>
+                      </a:r>
+                      <a:r>
+                        <a:rPr lang="ko-KR" altLang="en-US" sz="1100" u="none" strike="noStrike" cap="none" dirty="0">
+                          <a:solidFill>
+                            <a:schemeClr val="dk1"/>
+                          </a:solidFill>
+                          <a:latin typeface="맑은 고딕" panose="020B0503020000020004" pitchFamily="50" charset="-127"/>
+                          <a:ea typeface="맑은 고딕" panose="020B0503020000020004" pitchFamily="50" charset="-127"/>
+                        </a:rPr>
+                        <a:t>각 </a:t>
+                      </a:r>
+                      <a:r>
+                        <a:rPr lang="en-US" altLang="ko-KR" sz="1100" u="none" strike="noStrike" cap="none" dirty="0">
+                          <a:solidFill>
+                            <a:schemeClr val="dk1"/>
+                          </a:solidFill>
+                          <a:latin typeface="맑은 고딕" panose="020B0503020000020004" pitchFamily="50" charset="-127"/>
+                          <a:ea typeface="맑은 고딕" panose="020B0503020000020004" pitchFamily="50" charset="-127"/>
+                        </a:rPr>
+                        <a:t>my Lab </a:t>
+                      </a:r>
+                      <a:r>
+                        <a:rPr lang="ko-KR" altLang="en-US" sz="1100" u="none" strike="noStrike" cap="none" dirty="0">
+                          <a:solidFill>
+                            <a:schemeClr val="dk1"/>
+                          </a:solidFill>
+                          <a:latin typeface="맑은 고딕" panose="020B0503020000020004" pitchFamily="50" charset="-127"/>
+                          <a:ea typeface="맑은 고딕" panose="020B0503020000020004" pitchFamily="50" charset="-127"/>
+                        </a:rPr>
+                        <a:t>멤버가 </a:t>
+                      </a:r>
+                      <a:r>
+                        <a:rPr lang="en-US" altLang="ko-KR" sz="1100" u="none" strike="noStrike" cap="none" dirty="0">
+                          <a:solidFill>
+                            <a:schemeClr val="dk1"/>
+                          </a:solidFill>
+                          <a:latin typeface="맑은 고딕" panose="020B0503020000020004" pitchFamily="50" charset="-127"/>
+                          <a:ea typeface="맑은 고딕" panose="020B0503020000020004" pitchFamily="50" charset="-127"/>
+                        </a:rPr>
+                        <a:t>Lab</a:t>
+                      </a:r>
+                      <a:r>
+                        <a:rPr lang="ko-KR" altLang="en-US" sz="1100" u="none" strike="noStrike" cap="none" dirty="0">
+                          <a:solidFill>
+                            <a:schemeClr val="dk1"/>
+                          </a:solidFill>
+                          <a:latin typeface="맑은 고딕" panose="020B0503020000020004" pitchFamily="50" charset="-127"/>
+                          <a:ea typeface="맑은 고딕" panose="020B0503020000020004" pitchFamily="50" charset="-127"/>
+                        </a:rPr>
+                        <a:t>에 가입한 날짜 또는</a:t>
+                      </a:r>
+                      <a:r>
+                        <a:rPr lang="en-US" altLang="ko-KR" sz="1100" u="none" strike="noStrike" cap="none" dirty="0">
+                          <a:solidFill>
+                            <a:schemeClr val="dk1"/>
+                          </a:solidFill>
+                          <a:latin typeface="맑은 고딕" panose="020B0503020000020004" pitchFamily="50" charset="-127"/>
+                          <a:ea typeface="맑은 고딕" panose="020B0503020000020004" pitchFamily="50" charset="-127"/>
+                        </a:rPr>
+                        <a:t> </a:t>
+                      </a:r>
+                      <a:r>
+                        <a:rPr lang="ko-KR" altLang="en-US" sz="1100" u="none" strike="noStrike" cap="none" dirty="0">
+                          <a:solidFill>
+                            <a:schemeClr val="dk1"/>
+                          </a:solidFill>
+                          <a:latin typeface="맑은 고딕" panose="020B0503020000020004" pitchFamily="50" charset="-127"/>
+                          <a:ea typeface="맑은 고딕" panose="020B0503020000020004" pitchFamily="50" charset="-127"/>
+                        </a:rPr>
+                        <a:t>약품이 </a:t>
+                      </a:r>
+                      <a:r>
+                        <a:rPr lang="en-US" altLang="ko-KR" sz="1100" u="none" strike="noStrike" cap="none" dirty="0">
+                          <a:solidFill>
+                            <a:schemeClr val="dk1"/>
+                          </a:solidFill>
+                          <a:latin typeface="맑은 고딕" panose="020B0503020000020004" pitchFamily="50" charset="-127"/>
+                          <a:ea typeface="맑은 고딕" panose="020B0503020000020004" pitchFamily="50" charset="-127"/>
+                        </a:rPr>
+                        <a:t>my Lab</a:t>
+                      </a:r>
+                      <a:r>
+                        <a:rPr lang="ko-KR" altLang="en-US" sz="1100" u="none" strike="noStrike" cap="none" dirty="0">
+                          <a:solidFill>
+                            <a:schemeClr val="dk1"/>
+                          </a:solidFill>
+                          <a:latin typeface="맑은 고딕" panose="020B0503020000020004" pitchFamily="50" charset="-127"/>
+                          <a:ea typeface="맑은 고딕" panose="020B0503020000020004" pitchFamily="50" charset="-127"/>
+                        </a:rPr>
+                        <a:t>에 등록된 날짜 중 더 최근 날짜</a:t>
+                      </a:r>
+                      <a:r>
+                        <a:rPr lang="en-US" altLang="ko-KR" sz="1100" u="none" strike="noStrike" cap="none" dirty="0">
+                          <a:solidFill>
+                            <a:schemeClr val="dk1"/>
+                          </a:solidFill>
+                          <a:latin typeface="맑은 고딕" panose="020B0503020000020004" pitchFamily="50" charset="-127"/>
+                          <a:ea typeface="맑은 고딕" panose="020B0503020000020004" pitchFamily="50" charset="-127"/>
+                        </a:rPr>
+                        <a:t>)</a:t>
+                      </a:r>
                     </a:p>
                     <a:p>
                       <a:pPr marL="0" marR="0" lvl="0" indent="0" algn="just" rtl="0">
@@ -9684,17 +9858,57 @@
                         <a:buNone/>
                       </a:pPr>
                       <a:r>
-                        <a:rPr lang="ko-KR" altLang="en-US" sz="1100" u="none" strike="noStrike" cap="none">
-                          <a:solidFill>
-                            <a:schemeClr val="dk1"/>
-                          </a:solidFill>
-                          <a:latin typeface="맑은 고딕" panose="020B0503020000020004" pitchFamily="50" charset="-127"/>
-                          <a:ea typeface="맑은 고딕" panose="020B0503020000020004" pitchFamily="50" charset="-127"/>
-                        </a:rPr>
-                        <a:t>        </a:t>
-                      </a:r>
-                      <a:r>
-                        <a:rPr lang="ko-KR" altLang="en-US" sz="1100" u="none" strike="noStrike" cap="none">
+                        <a:rPr lang="ko-KR" altLang="en-US" sz="1100" u="none" strike="noStrike" cap="none" dirty="0">
+                          <a:solidFill>
+                            <a:schemeClr val="dk1"/>
+                          </a:solidFill>
+                          <a:latin typeface="맑은 고딕" panose="020B0503020000020004" pitchFamily="50" charset="-127"/>
+                          <a:ea typeface="맑은 고딕" panose="020B0503020000020004" pitchFamily="50" charset="-127"/>
+                        </a:rPr>
+                        <a:t>만약 </a:t>
+                      </a:r>
+                      <a:r>
+                        <a:rPr lang="en-US" altLang="ko-KR" sz="1100" u="none" strike="noStrike" cap="none" dirty="0">
+                          <a:solidFill>
+                            <a:schemeClr val="dk1"/>
+                          </a:solidFill>
+                          <a:latin typeface="맑은 고딕" panose="020B0503020000020004" pitchFamily="50" charset="-127"/>
+                          <a:ea typeface="+mn-ea"/>
+                        </a:rPr>
+                        <a:t>my Lab </a:t>
+                      </a:r>
+                      <a:r>
+                        <a:rPr lang="ko-KR" altLang="en-US" sz="1100" u="none" strike="noStrike" cap="none" dirty="0">
+                          <a:solidFill>
+                            <a:schemeClr val="dk1"/>
+                          </a:solidFill>
+                          <a:latin typeface="맑은 고딕" panose="020B0503020000020004" pitchFamily="50" charset="-127"/>
+                          <a:ea typeface="+mn-ea"/>
+                        </a:rPr>
+                        <a:t>멤버의 약품 </a:t>
+                      </a:r>
+                      <a:r>
+                        <a:rPr lang="ko-KR" altLang="en-US" sz="1100" u="none" strike="noStrike" cap="none" dirty="0">
+                          <a:solidFill>
+                            <a:schemeClr val="dk1"/>
+                          </a:solidFill>
+                          <a:latin typeface="맑은 고딕" panose="020B0503020000020004" pitchFamily="50" charset="-127"/>
+                          <a:ea typeface="맑은 고딕" panose="020B0503020000020004" pitchFamily="50" charset="-127"/>
+                        </a:rPr>
+                        <a:t>사용 기간이 약품의 건강 진단 주기를 초과했을 경우</a:t>
+                      </a:r>
+                      <a:r>
+                        <a:rPr lang="en-US" altLang="ko-KR" sz="1100" u="none" strike="noStrike" cap="none" dirty="0">
+                          <a:solidFill>
+                            <a:schemeClr val="dk1"/>
+                          </a:solidFill>
+                          <a:latin typeface="맑은 고딕" panose="020B0503020000020004" pitchFamily="50" charset="-127"/>
+                          <a:ea typeface="맑은 고딕" panose="020B0503020000020004" pitchFamily="50" charset="-127"/>
+                        </a:rPr>
+                        <a:t>, </a:t>
+                      </a:r>
+                      <a:r>
+                        <a:rPr lang="ko-KR" altLang="en-US" sz="1100" u="none" strike="noStrike" cap="none" dirty="0">
                           <a:solidFill>
                             <a:srgbClr val="0432FF"/>
                           </a:solidFill>
@@ -9704,49 +9918,179 @@
                         <a:t>시스템은 </a:t>
                       </a:r>
                       <a:r>
-                        <a:rPr lang="ko-KR" altLang="en-US" sz="1100" u="none" strike="noStrike" cap="none">
-                          <a:solidFill>
-                            <a:schemeClr val="dk1"/>
-                          </a:solidFill>
-                          <a:latin typeface="맑은 고딕" panose="020B0503020000020004" pitchFamily="50" charset="-127"/>
-                          <a:ea typeface="맑은 고딕" panose="020B0503020000020004" pitchFamily="50" charset="-127"/>
-                        </a:rPr>
-                        <a:t>시스템에 존재하는 약품 중 질병을 일으킬 수 있는 모든 약품을 대상으로 </a:t>
-                      </a:r>
-                      <a:r>
-                        <a:rPr lang="en-US" altLang="ko-KR" sz="1100" u="none" strike="noStrike" cap="none">
-                          <a:solidFill>
-                            <a:schemeClr val="dk1"/>
-                          </a:solidFill>
-                          <a:latin typeface="맑은 고딕" panose="020B0503020000020004" pitchFamily="50" charset="-127"/>
-                          <a:ea typeface="맑은 고딕" panose="020B0503020000020004" pitchFamily="50" charset="-127"/>
-                        </a:rPr>
-                        <a:t>my Lab</a:t>
-                      </a:r>
-                      <a:r>
-                        <a:rPr lang="ko-KR" altLang="en-US" sz="1100" u="none" strike="noStrike" cap="none">
-                          <a:solidFill>
-                            <a:schemeClr val="dk1"/>
-                          </a:solidFill>
-                          <a:latin typeface="맑은 고딕" panose="020B0503020000020004" pitchFamily="50" charset="-127"/>
-                          <a:ea typeface="맑은 고딕" panose="020B0503020000020004" pitchFamily="50" charset="-127"/>
-                        </a:rPr>
-                        <a:t>의 각</a:t>
-                      </a:r>
-                      <a:r>
-                        <a:rPr lang="en-US" altLang="ko-KR" sz="1100" u="none" strike="noStrike" cap="none">
-                          <a:solidFill>
-                            <a:schemeClr val="dk1"/>
-                          </a:solidFill>
-                          <a:latin typeface="맑은 고딕" panose="020B0503020000020004" pitchFamily="50" charset="-127"/>
-                          <a:ea typeface="맑은 고딕" panose="020B0503020000020004" pitchFamily="50" charset="-127"/>
-                        </a:rPr>
-                        <a:t> </a:t>
-                      </a:r>
-                      <a:r>
-                        <a:rPr lang="ko-KR" altLang="en-US" sz="1100" u="none" strike="noStrike" cap="none">
-                          <a:solidFill>
-                            <a:schemeClr val="dk1"/>
+                        <a:rPr lang="ko-KR" altLang="en-US" sz="1100" u="none" strike="noStrike" cap="none" dirty="0">
+                          <a:solidFill>
+                            <a:schemeClr val="tx1"/>
+                          </a:solidFill>
+                          <a:latin typeface="맑은 고딕" panose="020B0503020000020004" pitchFamily="50" charset="-127"/>
+                          <a:ea typeface="맑은 고딕" panose="020B0503020000020004" pitchFamily="50" charset="-127"/>
+                        </a:rPr>
+                        <a:t>해당 멤버에게 </a:t>
+                      </a:r>
+                      <a:r>
+                        <a:rPr lang="en-US" altLang="ko-KR" sz="1100" u="none" strike="noStrike" cap="none" dirty="0">
+                          <a:solidFill>
+                            <a:schemeClr val="tx1"/>
+                          </a:solidFill>
+                          <a:latin typeface="맑은 고딕" panose="020B0503020000020004" pitchFamily="50" charset="-127"/>
+                          <a:ea typeface="맑은 고딕" panose="020B0503020000020004" pitchFamily="50" charset="-127"/>
+                        </a:rPr>
+                        <a:t>“</a:t>
+                      </a:r>
+                      <a:r>
+                        <a:rPr lang="ko-KR" altLang="en-US" sz="1100" u="none" strike="noStrike" cap="none" dirty="0">
+                          <a:solidFill>
+                            <a:schemeClr val="tx1"/>
+                          </a:solidFill>
+                          <a:latin typeface="맑은 고딕" panose="020B0503020000020004" pitchFamily="50" charset="-127"/>
+                          <a:ea typeface="맑은 고딕" panose="020B0503020000020004" pitchFamily="50" charset="-127"/>
+                        </a:rPr>
+                        <a:t>지난 알림 후 </a:t>
+                      </a:r>
+                      <a:r>
+                        <a:rPr lang="en-US" altLang="ko-KR" sz="1100" u="none" strike="noStrike" cap="none" dirty="0">
+                          <a:solidFill>
+                            <a:schemeClr val="tx1"/>
+                          </a:solidFill>
+                          <a:latin typeface="맑은 고딕" panose="020B0503020000020004" pitchFamily="50" charset="-127"/>
+                          <a:ea typeface="맑은 고딕" panose="020B0503020000020004" pitchFamily="50" charset="-127"/>
+                        </a:rPr>
+                        <a:t>(</a:t>
+                      </a:r>
+                      <a:r>
+                        <a:rPr lang="ko-KR" altLang="en-US" sz="1100" u="none" strike="noStrike" cap="none" dirty="0">
+                          <a:solidFill>
+                            <a:schemeClr val="tx1"/>
+                          </a:solidFill>
+                          <a:latin typeface="맑은 고딕" panose="020B0503020000020004" pitchFamily="50" charset="-127"/>
+                          <a:ea typeface="맑은 고딕" panose="020B0503020000020004" pitchFamily="50" charset="-127"/>
+                        </a:rPr>
+                        <a:t>약품 이름</a:t>
+                      </a:r>
+                      <a:r>
+                        <a:rPr lang="en-US" altLang="ko-KR" sz="1100" u="none" strike="noStrike" cap="none" dirty="0">
+                          <a:solidFill>
+                            <a:schemeClr val="tx1"/>
+                          </a:solidFill>
+                          <a:latin typeface="맑은 고딕" panose="020B0503020000020004" pitchFamily="50" charset="-127"/>
+                          <a:ea typeface="맑은 고딕" panose="020B0503020000020004" pitchFamily="50" charset="-127"/>
+                        </a:rPr>
+                        <a:t>)</a:t>
+                      </a:r>
+                      <a:r>
+                        <a:rPr lang="ko-KR" altLang="en-US" sz="1100" u="none" strike="noStrike" cap="none" dirty="0">
+                          <a:solidFill>
+                            <a:schemeClr val="tx1"/>
+                          </a:solidFill>
+                          <a:latin typeface="맑은 고딕" panose="020B0503020000020004" pitchFamily="50" charset="-127"/>
+                          <a:ea typeface="맑은 고딕" panose="020B0503020000020004" pitchFamily="50" charset="-127"/>
+                        </a:rPr>
+                        <a:t>을 사용한지 </a:t>
+                      </a:r>
+                      <a:r>
+                        <a:rPr lang="en-US" altLang="ko-KR" sz="1100" u="none" strike="noStrike" cap="none" dirty="0">
+                          <a:solidFill>
+                            <a:schemeClr val="tx1"/>
+                          </a:solidFill>
+                          <a:latin typeface="맑은 고딕" panose="020B0503020000020004" pitchFamily="50" charset="-127"/>
+                          <a:ea typeface="맑은 고딕" panose="020B0503020000020004" pitchFamily="50" charset="-127"/>
+                        </a:rPr>
+                        <a:t>(</a:t>
+                      </a:r>
+                      <a:r>
+                        <a:rPr lang="ko-KR" altLang="en-US" sz="1100" u="none" strike="noStrike" cap="none" dirty="0">
+                          <a:solidFill>
+                            <a:schemeClr val="tx1"/>
+                          </a:solidFill>
+                          <a:latin typeface="맑은 고딕" panose="020B0503020000020004" pitchFamily="50" charset="-127"/>
+                          <a:ea typeface="맑은 고딕" panose="020B0503020000020004" pitchFamily="50" charset="-127"/>
+                        </a:rPr>
+                        <a:t>사용기간</a:t>
+                      </a:r>
+                      <a:r>
+                        <a:rPr lang="en-US" altLang="ko-KR" sz="1100" u="none" strike="noStrike" cap="none" dirty="0">
+                          <a:solidFill>
+                            <a:schemeClr val="tx1"/>
+                          </a:solidFill>
+                          <a:latin typeface="맑은 고딕" panose="020B0503020000020004" pitchFamily="50" charset="-127"/>
+                          <a:ea typeface="맑은 고딕" panose="020B0503020000020004" pitchFamily="50" charset="-127"/>
+                        </a:rPr>
+                        <a:t>)</a:t>
+                      </a:r>
+                      <a:r>
+                        <a:rPr lang="ko-KR" altLang="en-US" sz="1100" u="none" strike="noStrike" cap="none" dirty="0">
+                          <a:solidFill>
+                            <a:schemeClr val="tx1"/>
+                          </a:solidFill>
+                          <a:latin typeface="맑은 고딕" panose="020B0503020000020004" pitchFamily="50" charset="-127"/>
+                          <a:ea typeface="맑은 고딕" panose="020B0503020000020004" pitchFamily="50" charset="-127"/>
+                        </a:rPr>
+                        <a:t>이 지났습니다</a:t>
+                      </a:r>
+                      <a:r>
+                        <a:rPr lang="en-US" altLang="ko-KR" sz="1100" u="none" strike="noStrike" cap="none" dirty="0">
+                          <a:solidFill>
+                            <a:schemeClr val="tx1"/>
+                          </a:solidFill>
+                          <a:latin typeface="맑은 고딕" panose="020B0503020000020004" pitchFamily="50" charset="-127"/>
+                          <a:ea typeface="맑은 고딕" panose="020B0503020000020004" pitchFamily="50" charset="-127"/>
+                        </a:rPr>
+                        <a:t>. </a:t>
+                      </a:r>
+                      <a:r>
+                        <a:rPr lang="ko-KR" altLang="en-US" sz="1100" u="none" strike="noStrike" cap="none" dirty="0">
+                          <a:solidFill>
+                            <a:schemeClr val="tx1"/>
+                          </a:solidFill>
+                          <a:latin typeface="맑은 고딕" panose="020B0503020000020004" pitchFamily="50" charset="-127"/>
+                          <a:ea typeface="맑은 고딕" panose="020B0503020000020004" pitchFamily="50" charset="-127"/>
+                        </a:rPr>
+                        <a:t>특수 건강 진단을 받아야 합니다</a:t>
+                      </a:r>
+                      <a:r>
+                        <a:rPr lang="en-US" altLang="ko-KR" sz="1100" u="none" strike="noStrike" cap="none" dirty="0">
+                          <a:solidFill>
+                            <a:schemeClr val="tx1"/>
+                          </a:solidFill>
+                          <a:latin typeface="맑은 고딕" panose="020B0503020000020004" pitchFamily="50" charset="-127"/>
+                          <a:ea typeface="맑은 고딕" panose="020B0503020000020004" pitchFamily="50" charset="-127"/>
+                        </a:rPr>
+                        <a:t>.“</a:t>
+                      </a:r>
+                      <a:r>
+                        <a:rPr lang="ko-KR" altLang="en-US" sz="1100" u="none" strike="noStrike" cap="none" dirty="0">
+                          <a:solidFill>
+                            <a:schemeClr val="tx1"/>
+                          </a:solidFill>
+                          <a:latin typeface="맑은 고딕" panose="020B0503020000020004" pitchFamily="50" charset="-127"/>
+                          <a:ea typeface="맑은 고딕" panose="020B0503020000020004" pitchFamily="50" charset="-127"/>
+                        </a:rPr>
+                        <a:t>라는 알림을 보낸다</a:t>
+                      </a:r>
+                      <a:r>
+                        <a:rPr lang="en-US" altLang="ko-KR" sz="1100" u="none" strike="noStrike" cap="none" dirty="0">
+                          <a:solidFill>
+                            <a:schemeClr val="tx1"/>
+                          </a:solidFill>
+                          <a:latin typeface="맑은 고딕" panose="020B0503020000020004" pitchFamily="50" charset="-127"/>
+                          <a:ea typeface="맑은 고딕" panose="020B0503020000020004" pitchFamily="50" charset="-127"/>
+                        </a:rPr>
+                        <a:t>. </a:t>
+                      </a:r>
+                      <a:r>
+                        <a:rPr lang="en-US" altLang="ko-KR" sz="1100" u="none" strike="noStrike" cap="none" dirty="0">
+                          <a:solidFill>
+                            <a:srgbClr val="0E0EFF"/>
+                          </a:solidFill>
+                          <a:latin typeface="맑은 고딕" panose="020B0503020000020004" pitchFamily="50" charset="-127"/>
+                          <a:ea typeface="맑은 고딕" panose="020B0503020000020004" pitchFamily="50" charset="-127"/>
+                        </a:rPr>
+                        <a:t>my Lab </a:t>
+                      </a:r>
+                      <a:r>
+                        <a:rPr lang="ko-KR" altLang="en-US" sz="1100" u="none" strike="noStrike" cap="none" dirty="0">
+                          <a:solidFill>
+                            <a:srgbClr val="0E0EFF"/>
                           </a:solidFill>
                           <a:latin typeface="맑은 고딕" panose="020B0503020000020004" pitchFamily="50" charset="-127"/>
                           <a:ea typeface="맑은 고딕" panose="020B0503020000020004" pitchFamily="50" charset="-127"/>
@@ -9754,298 +10098,57 @@
                         <a:t>멤버가 </a:t>
                       </a:r>
                       <a:r>
-                        <a:rPr lang="en-US" altLang="ko-KR" sz="1100" u="none" strike="noStrike" cap="none">
-                          <a:solidFill>
-                            <a:schemeClr val="dk1"/>
-                          </a:solidFill>
-                          <a:latin typeface="맑은 고딕" panose="020B0503020000020004" pitchFamily="50" charset="-127"/>
-                          <a:ea typeface="맑은 고딕" panose="020B0503020000020004" pitchFamily="50" charset="-127"/>
-                        </a:rPr>
-                        <a:t>Lab</a:t>
-                      </a:r>
-                      <a:r>
-                        <a:rPr lang="ko-KR" altLang="en-US" sz="1100" u="none" strike="noStrike" cap="none">
-                          <a:solidFill>
-                            <a:schemeClr val="dk1"/>
-                          </a:solidFill>
-                          <a:latin typeface="맑은 고딕" panose="020B0503020000020004" pitchFamily="50" charset="-127"/>
-                          <a:ea typeface="맑은 고딕" panose="020B0503020000020004" pitchFamily="50" charset="-127"/>
-                        </a:rPr>
-                        <a:t>에 들어온</a:t>
-                      </a:r>
-                      <a:endParaRPr lang="en-US" altLang="ko-KR" sz="1100" u="none" strike="noStrike" cap="none">
-                        <a:solidFill>
-                          <a:schemeClr val="dk1"/>
-                        </a:solidFill>
-                        <a:latin typeface="맑은 고딕" panose="020B0503020000020004" pitchFamily="50" charset="-127"/>
-                        <a:ea typeface="맑은 고딕" panose="020B0503020000020004" pitchFamily="50" charset="-127"/>
-                      </a:endParaRPr>
-                    </a:p>
-                    <a:p>
-                      <a:pPr marL="0" marR="0" lvl="0" indent="0" algn="just" rtl="0">
-                        <a:lnSpc>
-                          <a:spcPct val="150000"/>
-                        </a:lnSpc>
-                        <a:spcBef>
-                          <a:spcPts val="0"/>
-                        </a:spcBef>
-                        <a:spcAft>
-                          <a:spcPts val="0"/>
-                        </a:spcAft>
-                        <a:buClr>
-                          <a:schemeClr val="dk1"/>
-                        </a:buClr>
-                        <a:buSzPts val="1100"/>
-                        <a:buFont typeface="Arial"/>
-                        <a:buNone/>
-                      </a:pPr>
-                      <a:r>
-                        <a:rPr lang="en-US" altLang="ko-KR" sz="1100" u="none" strike="noStrike" cap="none">
-                          <a:solidFill>
-                            <a:schemeClr val="dk1"/>
-                          </a:solidFill>
-                          <a:latin typeface="맑은 고딕" panose="020B0503020000020004" pitchFamily="50" charset="-127"/>
-                          <a:ea typeface="맑은 고딕" panose="020B0503020000020004" pitchFamily="50" charset="-127"/>
-                        </a:rPr>
-                        <a:t>      </a:t>
-                      </a:r>
-                      <a:r>
-                        <a:rPr lang="ko-KR" altLang="en-US" sz="1100" u="none" strike="noStrike" cap="none">
-                          <a:solidFill>
-                            <a:schemeClr val="dk1"/>
-                          </a:solidFill>
-                          <a:latin typeface="맑은 고딕" panose="020B0503020000020004" pitchFamily="50" charset="-127"/>
-                          <a:ea typeface="맑은 고딕" panose="020B0503020000020004" pitchFamily="50" charset="-127"/>
-                        </a:rPr>
-                        <a:t>  날짜와 약품이 들어온 날짜 중 현재 날짜와 더 가까운 날짜와 현재 날짜의 차를 구하여 약품 사용 기간을 계산 한다</a:t>
-                      </a:r>
-                      <a:r>
-                        <a:rPr lang="en-US" altLang="ko-KR" sz="1100" u="none" strike="noStrike" cap="none">
-                          <a:solidFill>
-                            <a:schemeClr val="dk1"/>
-                          </a:solidFill>
-                          <a:latin typeface="맑은 고딕" panose="020B0503020000020004" pitchFamily="50" charset="-127"/>
-                          <a:ea typeface="맑은 고딕" panose="020B0503020000020004" pitchFamily="50" charset="-127"/>
-                        </a:rPr>
-                        <a:t>.</a:t>
-                      </a:r>
-                    </a:p>
-                    <a:p>
-                      <a:pPr marL="0" marR="0" lvl="0" indent="0" algn="just" rtl="0">
-                        <a:lnSpc>
-                          <a:spcPct val="150000"/>
-                        </a:lnSpc>
-                        <a:spcBef>
-                          <a:spcPts val="0"/>
-                        </a:spcBef>
-                        <a:spcAft>
-                          <a:spcPts val="0"/>
-                        </a:spcAft>
-                        <a:buClr>
-                          <a:schemeClr val="dk1"/>
-                        </a:buClr>
-                        <a:buSzPts val="1100"/>
-                        <a:buFont typeface="Arial"/>
-                        <a:buNone/>
-                      </a:pPr>
-                      <a:r>
-                        <a:rPr lang="en-US" altLang="ko-KR" sz="1100" u="none" strike="noStrike" cap="none">
-                          <a:solidFill>
-                            <a:schemeClr val="dk1"/>
-                          </a:solidFill>
-                          <a:latin typeface="맑은 고딕" panose="020B0503020000020004" pitchFamily="50" charset="-127"/>
-                          <a:ea typeface="맑은 고딕" panose="020B0503020000020004" pitchFamily="50" charset="-127"/>
-                        </a:rPr>
-                        <a:t>        </a:t>
-                      </a:r>
-                      <a:r>
-                        <a:rPr lang="ko-KR" altLang="en-US" sz="1100" u="none" strike="noStrike" cap="none">
-                          <a:solidFill>
-                            <a:schemeClr val="dk1"/>
-                          </a:solidFill>
-                          <a:latin typeface="맑은 고딕" panose="020B0503020000020004" pitchFamily="50" charset="-127"/>
-                          <a:ea typeface="맑은 고딕" panose="020B0503020000020004" pitchFamily="50" charset="-127"/>
-                        </a:rPr>
-                        <a:t>만약 사용 기간이 약품의 권장 건강 검진 기간을 초과했을 경우</a:t>
-                      </a:r>
-                      <a:r>
-                        <a:rPr lang="en-US" altLang="ko-KR" sz="1100" u="none" strike="noStrike" cap="none">
-                          <a:solidFill>
-                            <a:schemeClr val="dk1"/>
-                          </a:solidFill>
-                          <a:latin typeface="맑은 고딕" panose="020B0503020000020004" pitchFamily="50" charset="-127"/>
-                          <a:ea typeface="맑은 고딕" panose="020B0503020000020004" pitchFamily="50" charset="-127"/>
-                        </a:rPr>
-                        <a:t>, </a:t>
-                      </a:r>
-                      <a:r>
-                        <a:rPr lang="ko-KR" altLang="en-US" sz="1100" u="none" strike="noStrike" cap="none">
-                          <a:solidFill>
-                            <a:srgbClr val="0432FF"/>
-                          </a:solidFill>
-                          <a:latin typeface="맑은 고딕" panose="020B0503020000020004" pitchFamily="50" charset="-127"/>
-                          <a:ea typeface="맑은 고딕" panose="020B0503020000020004" pitchFamily="50" charset="-127"/>
-                        </a:rPr>
-                        <a:t>시스템은 </a:t>
-                      </a:r>
-                      <a:r>
-                        <a:rPr lang="en-US" altLang="ko-KR" sz="1100" u="none" strike="noStrike" cap="none">
-                          <a:solidFill>
-                            <a:schemeClr val="dk1"/>
-                          </a:solidFill>
-                          <a:latin typeface="맑은 고딕" panose="020B0503020000020004" pitchFamily="50" charset="-127"/>
-                          <a:ea typeface="맑은 고딕" panose="020B0503020000020004" pitchFamily="50" charset="-127"/>
-                        </a:rPr>
-                        <a:t>my Lab </a:t>
-                      </a:r>
-                      <a:r>
-                        <a:rPr lang="ko-KR" altLang="en-US" sz="1100" u="none" strike="noStrike" cap="none">
-                          <a:solidFill>
-                            <a:schemeClr val="dk1"/>
-                          </a:solidFill>
-                          <a:latin typeface="맑은 고딕" panose="020B0503020000020004" pitchFamily="50" charset="-127"/>
-                          <a:ea typeface="맑은 고딕" panose="020B0503020000020004" pitchFamily="50" charset="-127"/>
-                        </a:rPr>
-                        <a:t>멤버들에게 약품의 장기간 사용으로</a:t>
-                      </a:r>
-                      <a:endParaRPr lang="en-US" altLang="ko-KR" sz="1100" u="none" strike="noStrike" cap="none">
-                        <a:solidFill>
-                          <a:schemeClr val="dk1"/>
-                        </a:solidFill>
-                        <a:latin typeface="맑은 고딕" panose="020B0503020000020004" pitchFamily="50" charset="-127"/>
-                        <a:ea typeface="맑은 고딕" panose="020B0503020000020004" pitchFamily="50" charset="-127"/>
-                      </a:endParaRPr>
-                    </a:p>
-                    <a:p>
-                      <a:pPr marL="0" marR="0" lvl="0" indent="0" algn="just" defTabSz="914400" rtl="0" eaLnBrk="1" fontAlgn="auto" latinLnBrk="0" hangingPunct="1">
-                        <a:lnSpc>
-                          <a:spcPct val="150000"/>
-                        </a:lnSpc>
-                        <a:spcBef>
-                          <a:spcPts val="0"/>
-                        </a:spcBef>
-                        <a:spcAft>
-                          <a:spcPts val="0"/>
-                        </a:spcAft>
-                        <a:buClr>
-                          <a:schemeClr val="dk1"/>
-                        </a:buClr>
-                        <a:buSzPts val="1100"/>
-                        <a:buFont typeface="Arial"/>
-                        <a:buNone/>
-                        <a:tabLst/>
-                        <a:defRPr/>
-                      </a:pPr>
-                      <a:r>
-                        <a:rPr lang="en-US" altLang="ko-KR" sz="1100" u="none" strike="noStrike" cap="none">
-                          <a:solidFill>
-                            <a:schemeClr val="dk1"/>
-                          </a:solidFill>
-                          <a:latin typeface="맑은 고딕" panose="020B0503020000020004" pitchFamily="50" charset="-127"/>
-                          <a:ea typeface="맑은 고딕" panose="020B0503020000020004" pitchFamily="50" charset="-127"/>
-                        </a:rPr>
-                        <a:t>       </a:t>
-                      </a:r>
-                      <a:r>
-                        <a:rPr lang="ko-KR" altLang="en-US" sz="1100" u="none" strike="noStrike" cap="none">
-                          <a:solidFill>
-                            <a:schemeClr val="dk1"/>
-                          </a:solidFill>
-                          <a:latin typeface="맑은 고딕" panose="020B0503020000020004" pitchFamily="50" charset="-127"/>
-                          <a:ea typeface="맑은 고딕" panose="020B0503020000020004" pitchFamily="50" charset="-127"/>
-                        </a:rPr>
-                        <a:t> 인한 질병 발생의 가능성을 알려주는 알림을 발생 시킨다</a:t>
-                      </a:r>
-                      <a:r>
-                        <a:rPr lang="en-US" altLang="ko-KR" sz="1100" u="none" strike="noStrike" cap="none">
-                          <a:solidFill>
-                            <a:schemeClr val="dk1"/>
-                          </a:solidFill>
-                          <a:latin typeface="맑은 고딕" panose="020B0503020000020004" pitchFamily="50" charset="-127"/>
-                          <a:ea typeface="맑은 고딕" panose="020B0503020000020004" pitchFamily="50" charset="-127"/>
-                        </a:rPr>
-                        <a:t>. my Lab </a:t>
-                      </a:r>
-                      <a:r>
-                        <a:rPr lang="ko-KR" altLang="en-US" sz="1100" u="none" strike="noStrike" cap="none">
-                          <a:solidFill>
-                            <a:schemeClr val="dk1"/>
-                          </a:solidFill>
-                          <a:latin typeface="맑은 고딕" panose="020B0503020000020004" pitchFamily="50" charset="-127"/>
-                          <a:ea typeface="맑은 고딕" panose="020B0503020000020004" pitchFamily="50" charset="-127"/>
-                        </a:rPr>
-                        <a:t>멤버가 약품명을 클릭하면 약품 정보창으로 이동한    </a:t>
-                      </a:r>
-                      <a:endParaRPr lang="en-US" altLang="ko-KR" sz="1100" u="none" strike="noStrike" cap="none">
-                        <a:solidFill>
-                          <a:schemeClr val="dk1"/>
-                        </a:solidFill>
-                        <a:latin typeface="맑은 고딕" panose="020B0503020000020004" pitchFamily="50" charset="-127"/>
-                        <a:ea typeface="맑은 고딕" panose="020B0503020000020004" pitchFamily="50" charset="-127"/>
-                      </a:endParaRPr>
-                    </a:p>
-                    <a:p>
-                      <a:pPr marL="0" marR="0" lvl="0" indent="0" algn="just" defTabSz="914400" rtl="0" eaLnBrk="1" fontAlgn="auto" latinLnBrk="0" hangingPunct="1">
-                        <a:lnSpc>
-                          <a:spcPct val="150000"/>
-                        </a:lnSpc>
-                        <a:spcBef>
-                          <a:spcPts val="0"/>
-                        </a:spcBef>
-                        <a:spcAft>
-                          <a:spcPts val="0"/>
-                        </a:spcAft>
-                        <a:buClr>
-                          <a:schemeClr val="dk1"/>
-                        </a:buClr>
-                        <a:buSzPts val="1100"/>
-                        <a:buFont typeface="Arial"/>
-                        <a:buNone/>
-                        <a:tabLst/>
-                        <a:defRPr/>
-                      </a:pPr>
-                      <a:r>
-                        <a:rPr lang="en-US" altLang="ko-KR" sz="1100" u="none" strike="noStrike" cap="none">
-                          <a:solidFill>
-                            <a:schemeClr val="dk1"/>
-                          </a:solidFill>
-                          <a:latin typeface="맑은 고딕" panose="020B0503020000020004" pitchFamily="50" charset="-127"/>
-                          <a:ea typeface="맑은 고딕" panose="020B0503020000020004" pitchFamily="50" charset="-127"/>
-                        </a:rPr>
-                        <a:t>        </a:t>
-                      </a:r>
-                      <a:r>
-                        <a:rPr lang="ko-KR" altLang="en-US" sz="1100" u="none" strike="noStrike" cap="none">
-                          <a:solidFill>
-                            <a:schemeClr val="dk1"/>
-                          </a:solidFill>
-                          <a:latin typeface="맑은 고딕" panose="020B0503020000020004" pitchFamily="50" charset="-127"/>
-                          <a:ea typeface="맑은 고딕" panose="020B0503020000020004" pitchFamily="50" charset="-127"/>
-                        </a:rPr>
-                        <a:t>후</a:t>
-                      </a:r>
-                      <a:r>
-                        <a:rPr lang="ko-KR" altLang="en-US" sz="1100" u="none" strike="noStrike" cap="none">
+                        <a:rPr lang="ko-KR" altLang="en-US" sz="1100" u="none" strike="noStrike" cap="none" dirty="0">
+                          <a:solidFill>
+                            <a:schemeClr val="dk1"/>
+                          </a:solidFill>
+                          <a:latin typeface="맑은 고딕" panose="020B0503020000020004" pitchFamily="50" charset="-127"/>
+                          <a:ea typeface="맑은 고딕" panose="020B0503020000020004" pitchFamily="50" charset="-127"/>
+                        </a:rPr>
+                        <a:t>약품명을 클릭하면 약품 정보창으로 이동한 후</a:t>
+                      </a:r>
+                      <a:r>
+                        <a:rPr lang="ko-KR" altLang="en-US" sz="1100" u="none" strike="noStrike" cap="none" dirty="0">
                           <a:solidFill>
                             <a:srgbClr val="0000FF"/>
                           </a:solidFill>
                           <a:latin typeface="맑은 고딕" panose="020B0503020000020004" pitchFamily="50" charset="-127"/>
                           <a:ea typeface="맑은 고딕" panose="020B0503020000020004" pitchFamily="50" charset="-127"/>
                         </a:rPr>
-                        <a:t> 본 유스케이스를 종료한다</a:t>
-                      </a:r>
-                      <a:r>
-                        <a:rPr lang="en-US" altLang="ko-KR" sz="1100" u="none" strike="noStrike" cap="none">
+                        <a:t> 본 </a:t>
+                      </a:r>
+                      <a:r>
+                        <a:rPr lang="ko-KR" altLang="en-US" sz="1100" u="none" strike="noStrike" cap="none" dirty="0" err="1">
                           <a:solidFill>
                             <a:srgbClr val="0000FF"/>
                           </a:solidFill>
                           <a:latin typeface="맑은 고딕" panose="020B0503020000020004" pitchFamily="50" charset="-127"/>
                           <a:ea typeface="맑은 고딕" panose="020B0503020000020004" pitchFamily="50" charset="-127"/>
                         </a:rPr>
+                        <a:t>유스케이스를</a:t>
+                      </a:r>
+                      <a:r>
+                        <a:rPr lang="ko-KR" altLang="en-US" sz="1100" u="none" strike="noStrike" cap="none" dirty="0">
+                          <a:solidFill>
+                            <a:srgbClr val="0000FF"/>
+                          </a:solidFill>
+                          <a:latin typeface="맑은 고딕" panose="020B0503020000020004" pitchFamily="50" charset="-127"/>
+                          <a:ea typeface="맑은 고딕" panose="020B0503020000020004" pitchFamily="50" charset="-127"/>
+                        </a:rPr>
+                        <a:t> 종료한다</a:t>
+                      </a:r>
+                      <a:r>
+                        <a:rPr lang="en-US" altLang="ko-KR" sz="1100" u="none" strike="noStrike" cap="none" dirty="0">
+                          <a:solidFill>
+                            <a:srgbClr val="0000FF"/>
+                          </a:solidFill>
+                          <a:latin typeface="맑은 고딕" panose="020B0503020000020004" pitchFamily="50" charset="-127"/>
+                          <a:ea typeface="맑은 고딕" panose="020B0503020000020004" pitchFamily="50" charset="-127"/>
+                        </a:rPr>
                         <a:t>. </a:t>
                       </a:r>
                       <a:r>
-                        <a:rPr lang="en-US" altLang="ko-KR" sz="1100" u="none" strike="noStrike" cap="none">
+                        <a:rPr lang="en-US" altLang="ko-KR" sz="1100" u="none" strike="noStrike" cap="none" dirty="0">
                           <a:solidFill>
                             <a:srgbClr val="FF0000"/>
                           </a:solidFill>
@@ -10256,7 +10359,13 @@
         <p:nvGraphicFramePr>
           <p:cNvPr id="236" name="Google Shape;236;p33"/>
           <p:cNvGraphicFramePr/>
-          <p:nvPr/>
+          <p:nvPr>
+            <p:extLst>
+              <p:ext uri="{D42A27DB-BD31-4B8C-83A1-F6EECF244321}">
+                <p14:modId xmlns:p14="http://schemas.microsoft.com/office/powerpoint/2010/main" val="2140864682"/>
+              </p:ext>
+            </p:extLst>
+          </p:nvPr>
         </p:nvGraphicFramePr>
         <p:xfrm>
           <a:off x="2135188" y="1240125"/>
@@ -10396,10 +10505,10 @@
                           <a:cs typeface="Malgun Gothic"/>
                           <a:sym typeface="Malgun Gothic"/>
                         </a:rPr>
-                        <a:t>AF1</a:t>
-                      </a:r>
-                      <a:r>
-                        <a:rPr lang="en-US" sz="1100" b="0" i="0" u="none" strike="noStrike" cap="none">
+                        <a:t>AF1. </a:t>
+                      </a:r>
+                      <a:r>
+                        <a:rPr lang="ko-KR" altLang="en-US" sz="1100" b="0" i="0" u="none" strike="noStrike" cap="none" dirty="0">
                           <a:solidFill>
                             <a:schemeClr val="dk1"/>
                           </a:solidFill>
@@ -10408,10 +10517,10 @@
                           <a:cs typeface="Malgun Gothic"/>
                           <a:sym typeface="Malgun Gothic"/>
                         </a:rPr>
-                        <a:t>. </a:t>
-                      </a:r>
-                      <a:r>
-                        <a:rPr lang="ko-KR" altLang="en-US" sz="1100" u="none" strike="noStrike" cap="none">
+                        <a:t>유효기간 또는 재고소진 </a:t>
+                      </a:r>
+                      <a:r>
+                        <a:rPr lang="ko-KR" altLang="en-US" sz="1100" u="none" strike="noStrike" cap="none" dirty="0">
                           <a:solidFill>
                             <a:schemeClr val="dk1"/>
                           </a:solidFill>
@@ -10422,7 +10531,7 @@
                         </a:rPr>
                         <a:t>알림을 삭제하는 경우</a:t>
                       </a:r>
-                      <a:endParaRPr lang="en-US" altLang="ko-KR" sz="1100" u="none" strike="noStrike" cap="none">
+                      <a:endParaRPr lang="en-US" altLang="ko-KR" sz="1100" u="none" strike="noStrike" cap="none" dirty="0">
                         <a:solidFill>
                           <a:schemeClr val="dk1"/>
                         </a:solidFill>
@@ -10451,7 +10560,7 @@
                         <a:buNone/>
                       </a:pPr>
                       <a:r>
-                        <a:rPr lang="en-US" sz="1100" b="0" i="0" u="none" strike="noStrike" cap="none">
+                        <a:rPr lang="en-US" sz="1100" b="0" i="0" u="none" strike="noStrike" cap="none" dirty="0" err="1">
                           <a:solidFill>
                             <a:schemeClr val="dk1"/>
                           </a:solidFill>
@@ -10460,10 +10569,10 @@
                           <a:cs typeface="Malgun Gothic"/>
                           <a:sym typeface="Malgun Gothic"/>
                         </a:rPr>
-                        <a:t>   </a:t>
-                      </a:r>
-                      <a:r>
-                        <a:rPr lang="en-US" sz="1100" b="0" i="0" u="none" strike="noStrike" cap="none" dirty="0" err="1">
+                        <a:t>분기점</a:t>
+                      </a:r>
+                      <a:r>
+                        <a:rPr lang="en-US" sz="1100" b="0" i="0" u="none" strike="noStrike" cap="none" dirty="0">
                           <a:solidFill>
                             <a:schemeClr val="dk1"/>
                           </a:solidFill>
@@ -10472,31 +10581,7 @@
                           <a:cs typeface="Malgun Gothic"/>
                           <a:sym typeface="Malgun Gothic"/>
                         </a:rPr>
-                        <a:t>분기점</a:t>
-                      </a:r>
-                      <a:r>
-                        <a:rPr lang="en-US" sz="1100" b="0" i="0" u="none" strike="noStrike" cap="none" dirty="0">
-                          <a:solidFill>
-                            <a:schemeClr val="dk1"/>
-                          </a:solidFill>
-                          <a:latin typeface="Malgun Gothic"/>
-                          <a:ea typeface="Malgun Gothic"/>
-                          <a:cs typeface="Malgun Gothic"/>
-                          <a:sym typeface="Malgun Gothic"/>
-                        </a:rPr>
-                        <a:t>: Basic </a:t>
-                      </a:r>
-                      <a:r>
-                        <a:rPr lang="en-US" sz="1100" b="0" i="0" u="none" strike="noStrike" cap="none">
-                          <a:solidFill>
-                            <a:schemeClr val="dk1"/>
-                          </a:solidFill>
-                          <a:latin typeface="Malgun Gothic"/>
-                          <a:ea typeface="Malgun Gothic"/>
-                          <a:cs typeface="Malgun Gothic"/>
-                          <a:sym typeface="Malgun Gothic"/>
-                        </a:rPr>
-                        <a:t>Flow 2.1 (3.1)</a:t>
+                        <a:t>: Basic Flow 2.1 (3.1)</a:t>
                       </a:r>
                       <a:endParaRPr sz="1100" b="0" i="0" u="none" strike="noStrike" cap="none" dirty="0">
                         <a:solidFill>
@@ -10527,7 +10612,7 @@
                         <a:buNone/>
                       </a:pPr>
                       <a:r>
-                        <a:rPr lang="en-US" sz="1100" b="0" i="0" u="none" strike="noStrike" cap="none" err="1">
+                        <a:rPr lang="en-US" sz="1100" b="0" i="0" u="none" strike="noStrike" cap="none" dirty="0" err="1">
                           <a:solidFill>
                             <a:srgbClr val="0000FF"/>
                           </a:solidFill>
@@ -10539,7 +10624,7 @@
                         <a:t>시스템은</a:t>
                       </a:r>
                       <a:r>
-                        <a:rPr lang="en-US" sz="1100" b="0" i="0" u="none" strike="noStrike" cap="none">
+                        <a:rPr lang="en-US" sz="1100" b="0" i="0" u="none" strike="noStrike" cap="none" dirty="0">
                           <a:solidFill>
                             <a:schemeClr val="dk1"/>
                           </a:solidFill>
@@ -10551,7 +10636,7 @@
                         <a:t> </a:t>
                       </a:r>
                       <a:r>
-                        <a:rPr lang="ko-KR" altLang="en-US" sz="1100" b="0" i="0" u="none" strike="noStrike" cap="none">
+                        <a:rPr lang="ko-KR" altLang="en-US" sz="1100" b="0" i="0" u="none" strike="noStrike" cap="none" dirty="0">
                           <a:solidFill>
                             <a:schemeClr val="dk1"/>
                           </a:solidFill>
@@ -10563,7 +10648,7 @@
                         <a:t>알림을 삭제한 후</a:t>
                       </a:r>
                       <a:r>
-                        <a:rPr lang="en-US" altLang="ko-KR" sz="1100" b="0" i="0" u="none" strike="noStrike" cap="none">
+                        <a:rPr lang="en-US" altLang="ko-KR" sz="1100" b="0" i="0" u="none" strike="noStrike" cap="none" dirty="0">
                           <a:solidFill>
                             <a:schemeClr val="dk1"/>
                           </a:solidFill>
@@ -10575,7 +10660,7 @@
                         <a:t>,</a:t>
                       </a:r>
                       <a:r>
-                        <a:rPr lang="en-US" sz="1100" u="none" strike="noStrike" cap="none">
+                        <a:rPr lang="en-US" sz="1100" u="none" strike="noStrike" cap="none" dirty="0">
                           <a:solidFill>
                             <a:schemeClr val="dk1"/>
                           </a:solidFill>
@@ -10596,10 +10681,10 @@
                           <a:cs typeface="Malgun Gothic"/>
                           <a:sym typeface="Malgun Gothic"/>
                         </a:rPr>
-                        <a:t>Basic </a:t>
-                      </a:r>
-                      <a:r>
-                        <a:rPr lang="en-US" sz="1100" u="none" strike="noStrike" cap="none">
+                        <a:t>Basic flow 2.1 (3.1) </a:t>
+                      </a:r>
+                      <a:r>
+                        <a:rPr lang="ko-KR" altLang="en-US" sz="1100" u="none" strike="noStrike" cap="none" dirty="0">
                           <a:solidFill>
                             <a:srgbClr val="0432FF"/>
                           </a:solidFill>
@@ -10608,22 +10693,10 @@
                           <a:cs typeface="Malgun Gothic"/>
                           <a:sym typeface="Malgun Gothic"/>
                         </a:rPr>
-                        <a:t>flow 2.1 (3.1) </a:t>
-                      </a:r>
-                      <a:r>
-                        <a:rPr lang="ko-KR" altLang="en-US" sz="1100" u="none" strike="noStrike" cap="none">
-                          <a:solidFill>
-                            <a:srgbClr val="0432FF"/>
-                          </a:solidFill>
-                          <a:latin typeface="Malgun Gothic"/>
-                          <a:ea typeface="Malgun Gothic"/>
-                          <a:cs typeface="Malgun Gothic"/>
-                          <a:sym typeface="Malgun Gothic"/>
-                        </a:rPr>
                         <a:t>로 </a:t>
                       </a:r>
                       <a:r>
-                        <a:rPr lang="en-US" sz="1100" u="none" strike="noStrike" cap="none">
+                        <a:rPr lang="en-US" sz="1100" u="none" strike="noStrike" cap="none" dirty="0" err="1">
                           <a:solidFill>
                             <a:srgbClr val="0432FF"/>
                           </a:solidFill>
@@ -10638,7 +10711,7 @@
                         <a:t>돌아간다</a:t>
                       </a:r>
                       <a:r>
-                        <a:rPr lang="en-US" sz="1100" b="0" i="0" u="none" strike="noStrike" cap="none">
+                        <a:rPr lang="en-US" sz="1100" b="0" i="0" u="none" strike="noStrike" cap="none" dirty="0">
                           <a:solidFill>
                             <a:srgbClr val="0432FF"/>
                           </a:solidFill>
@@ -10671,7 +10744,7 @@
                         <a:buFont typeface="Malgun Gothic"/>
                         <a:buNone/>
                       </a:pPr>
-                      <a:endParaRPr lang="en-US" sz="1100" b="0" i="0" u="none" strike="noStrike" cap="none">
+                      <a:endParaRPr lang="en-US" sz="1100" b="0" i="0" u="none" strike="noStrike" cap="none" dirty="0">
                         <a:solidFill>
                           <a:srgbClr val="0432FF"/>
                         </a:solidFill>
@@ -10684,7 +10757,7 @@
                       </a:endParaRPr>
                     </a:p>
                     <a:p>
-                      <a:pPr marL="0" marR="0" lvl="0" indent="0" algn="just" rtl="0">
+                      <a:pPr marL="0" marR="0" lvl="0" indent="0" algn="just" defTabSz="914400" rtl="0" eaLnBrk="1" fontAlgn="auto" latinLnBrk="0" hangingPunct="1">
                         <a:lnSpc>
                           <a:spcPct val="150000"/>
                         </a:lnSpc>
@@ -10700,9 +10773,11 @@
                         <a:buSzPts val="1100"/>
                         <a:buFont typeface="Malgun Gothic"/>
                         <a:buNone/>
+                        <a:tabLst/>
+                        <a:defRPr/>
                       </a:pPr>
                       <a:r>
-                        <a:rPr lang="en-US" altLang="ko-KR" sz="1100" b="0" i="0" u="none" strike="noStrike" cap="none">
+                        <a:rPr lang="en-US" altLang="ko-KR" sz="1100" b="0" i="0" u="none" strike="noStrike" cap="none" dirty="0">
                           <a:solidFill>
                             <a:schemeClr val="dk1"/>
                           </a:solidFill>
@@ -10714,7 +10789,7 @@
                         <a:t>AF2. </a:t>
                       </a:r>
                       <a:r>
-                        <a:rPr lang="ko-KR" altLang="en-US" sz="1100" u="none" strike="noStrike" cap="none">
+                        <a:rPr lang="ko-KR" altLang="en-US" sz="1100" b="0" i="0" u="none" strike="noStrike" cap="none" dirty="0">
                           <a:solidFill>
                             <a:schemeClr val="dk1"/>
                           </a:solidFill>
@@ -10723,11 +10798,32 @@
                           <a:cs typeface="Malgun Gothic"/>
                           <a:sym typeface="Malgun Gothic"/>
                         </a:rPr>
+                        <a:t>의심질병 </a:t>
+                      </a:r>
+                      <a:r>
+                        <a:rPr lang="ko-KR" altLang="en-US" sz="1100" u="none" strike="noStrike" cap="none" dirty="0">
+                          <a:solidFill>
+                            <a:schemeClr val="dk1"/>
+                          </a:solidFill>
+                          <a:latin typeface="Malgun Gothic"/>
+                          <a:ea typeface="Malgun Gothic"/>
+                          <a:cs typeface="Malgun Gothic"/>
+                          <a:sym typeface="Malgun Gothic"/>
+                        </a:rPr>
                         <a:t>알림을 삭제하는 경우</a:t>
                       </a:r>
+                      <a:endParaRPr lang="en-US" altLang="ko-KR" sz="1100" u="none" strike="noStrike" cap="none" dirty="0">
+                        <a:solidFill>
+                          <a:schemeClr val="dk1"/>
+                        </a:solidFill>
+                        <a:latin typeface="Malgun Gothic"/>
+                        <a:ea typeface="Malgun Gothic"/>
+                        <a:cs typeface="Malgun Gothic"/>
+                        <a:sym typeface="Malgun Gothic"/>
+                      </a:endParaRPr>
                     </a:p>
                     <a:p>
-                      <a:pPr marL="0" marR="0" lvl="0" indent="0" algn="just" rtl="0">
+                      <a:pPr marL="0" marR="0" lvl="0" indent="0" algn="just" defTabSz="914400" rtl="0" eaLnBrk="1" fontAlgn="auto" latinLnBrk="0" hangingPunct="1">
                         <a:lnSpc>
                           <a:spcPct val="150000"/>
                         </a:lnSpc>
@@ -10743,9 +10839,11 @@
                         <a:buSzPts val="1100"/>
                         <a:buFont typeface="Malgun Gothic"/>
                         <a:buNone/>
+                        <a:tabLst/>
+                        <a:defRPr/>
                       </a:pPr>
                       <a:r>
-                        <a:rPr lang="ko-KR" altLang="en-US" sz="1100" b="0" i="0" u="none" strike="noStrike" cap="none">
+                        <a:rPr lang="ko-KR" altLang="en-US" sz="1100" b="0" i="0" u="none" strike="noStrike" cap="none" dirty="0">
                           <a:solidFill>
                             <a:schemeClr val="dk1"/>
                           </a:solidFill>
@@ -10754,10 +10852,10 @@
                           <a:cs typeface="Malgun Gothic"/>
                           <a:sym typeface="Malgun Gothic"/>
                         </a:rPr>
-                        <a:t>   분기점</a:t>
-                      </a:r>
-                      <a:r>
-                        <a:rPr lang="en-US" altLang="ko-KR" sz="1100" b="0" i="0" u="none" strike="noStrike" cap="none">
+                        <a:t>분기점</a:t>
+                      </a:r>
+                      <a:r>
+                        <a:rPr lang="en-US" altLang="ko-KR" sz="1100" b="0" i="0" u="none" strike="noStrike" cap="none" dirty="0">
                           <a:solidFill>
                             <a:schemeClr val="dk1"/>
                           </a:solidFill>
@@ -10768,7 +10866,7 @@
                         </a:rPr>
                         <a:t>: Basic Flow 4.1</a:t>
                       </a:r>
-                      <a:endParaRPr lang="ko-KR" altLang="en-US" sz="1100" b="0" i="0" u="none" strike="noStrike" cap="none">
+                      <a:endParaRPr lang="ko-KR" altLang="en-US" sz="1100" b="0" i="0" u="none" strike="noStrike" cap="none" dirty="0">
                         <a:solidFill>
                           <a:schemeClr val="dk1"/>
                         </a:solidFill>
@@ -10797,7 +10895,7 @@
                         <a:buNone/>
                       </a:pPr>
                       <a:r>
-                        <a:rPr lang="ko-KR" altLang="en-US" sz="1100" b="0" i="0" u="none" strike="noStrike" cap="none">
+                        <a:rPr lang="ko-KR" altLang="en-US" sz="1100" b="0" i="0" u="none" strike="noStrike" cap="none" dirty="0">
                           <a:solidFill>
                             <a:srgbClr val="0000FF"/>
                           </a:solidFill>
@@ -10809,7 +10907,7 @@
                         <a:t>시스템은</a:t>
                       </a:r>
                       <a:r>
-                        <a:rPr lang="ko-KR" altLang="en-US" sz="1100" b="0" i="0" u="none" strike="noStrike" cap="none">
+                        <a:rPr lang="ko-KR" altLang="en-US" sz="1100" b="0" i="0" u="none" strike="noStrike" cap="none" dirty="0">
                           <a:solidFill>
                             <a:schemeClr val="dk1"/>
                           </a:solidFill>
@@ -10821,7 +10919,7 @@
                         <a:t> 알림을 삭제한 후</a:t>
                       </a:r>
                       <a:r>
-                        <a:rPr lang="en-US" altLang="ko-KR" sz="1100" b="0" i="0" u="none" strike="noStrike" cap="none">
+                        <a:rPr lang="en-US" altLang="ko-KR" sz="1100" b="0" i="0" u="none" strike="noStrike" cap="none" dirty="0">
                           <a:solidFill>
                             <a:schemeClr val="dk1"/>
                           </a:solidFill>
@@ -10833,7 +10931,7 @@
                         <a:t>, </a:t>
                       </a:r>
                       <a:r>
-                        <a:rPr lang="ko-KR" altLang="en-US" sz="1100" b="0" i="0" u="none" strike="noStrike" cap="none">
+                        <a:rPr lang="ko-KR" altLang="en-US" sz="1100" b="0" i="0" u="none" strike="noStrike" cap="none" dirty="0">
                           <a:solidFill>
                             <a:schemeClr val="dk1"/>
                           </a:solidFill>
@@ -10845,7 +10943,7 @@
                         <a:t>다음 알림을 보내는 날짜를 다음 건강 검진 권장일로 바꾼 후</a:t>
                       </a:r>
                       <a:r>
-                        <a:rPr lang="en-US" altLang="ko-KR" sz="1100" b="0" i="0" u="none" strike="noStrike" cap="none">
+                        <a:rPr lang="en-US" altLang="ko-KR" sz="1100" b="0" i="0" u="none" strike="noStrike" cap="none" dirty="0">
                           <a:solidFill>
                             <a:schemeClr val="dk1"/>
                           </a:solidFill>
@@ -10857,7 +10955,7 @@
                         <a:t>.</a:t>
                       </a:r>
                       <a:r>
-                        <a:rPr lang="ko-KR" altLang="en-US" sz="1100" u="none" strike="noStrike" cap="none">
+                        <a:rPr lang="ko-KR" altLang="en-US" sz="1100" u="none" strike="noStrike" cap="none" dirty="0">
                           <a:solidFill>
                             <a:schemeClr val="dk1"/>
                           </a:solidFill>
@@ -10869,7 +10967,7 @@
                         <a:t> </a:t>
                       </a:r>
                       <a:r>
-                        <a:rPr lang="en-US" altLang="ko-KR" sz="1100" u="none" strike="noStrike" cap="none">
+                        <a:rPr lang="en-US" altLang="ko-KR" sz="1100" u="none" strike="noStrike" cap="none" dirty="0">
                           <a:solidFill>
                             <a:srgbClr val="0432FF"/>
                           </a:solidFill>
@@ -10881,7 +10979,7 @@
                         <a:t>Basic flow 4.1</a:t>
                       </a:r>
                       <a:r>
-                        <a:rPr lang="ko-KR" altLang="en-US" sz="1100" u="none" strike="noStrike" cap="none">
+                        <a:rPr lang="ko-KR" altLang="en-US" sz="1100" u="none" strike="noStrike" cap="none" dirty="0">
                           <a:solidFill>
                             <a:srgbClr val="0432FF"/>
                           </a:solidFill>
@@ -10893,7 +10991,7 @@
                         <a:t>로 </a:t>
                       </a:r>
                       <a:r>
-                        <a:rPr lang="ko-KR" altLang="en-US" sz="1100" u="none" strike="noStrike" cap="none">
+                        <a:rPr lang="ko-KR" altLang="en-US" sz="1100" u="none" strike="noStrike" cap="none" dirty="0">
                           <a:solidFill>
                             <a:srgbClr val="0432FF"/>
                           </a:solidFill>
@@ -10908,7 +11006,7 @@
                         <a:t>돌아간다</a:t>
                       </a:r>
                       <a:r>
-                        <a:rPr lang="en-US" altLang="ko-KR" sz="1100" b="0" i="0" u="none" strike="noStrike" cap="none">
+                        <a:rPr lang="en-US" altLang="ko-KR" sz="1100" b="0" i="0" u="none" strike="noStrike" cap="none" dirty="0">
                           <a:solidFill>
                             <a:srgbClr val="0432FF"/>
                           </a:solidFill>
@@ -10949,7 +11047,7 @@
                         <a:buFont typeface="Malgun Gothic"/>
                         <a:buNone/>
                       </a:pPr>
-                      <a:endParaRPr lang="ko-KR" altLang="en-US" sz="1400" u="none" strike="noStrike" cap="none">
+                      <a:endParaRPr lang="ko-KR" altLang="en-US" sz="1400" u="none" strike="noStrike" cap="none" dirty="0">
                         <a:solidFill>
                           <a:srgbClr val="0432FF"/>
                         </a:solidFill>
